--- a/client/lecture/2주차.pptx
+++ b/client/lecture/2주차.pptx
@@ -2,7 +2,7 @@
 <file path=ppt/presentation.xml><?xml version="1.0" encoding="utf-8"?>
 <p:presentation xmlns:a="http://schemas.openxmlformats.org/drawingml/2006/main" xmlns:r="http://schemas.openxmlformats.org/officeDocument/2006/relationships" xmlns:p="http://schemas.openxmlformats.org/presentationml/2006/main" xmlns:p14="http://schemas.microsoft.com/office/powerpoint/2010/main" saveSubsetFonts="1">
   <p:sldMasterIdLst>
-    <p:sldMasterId id="2147483671" r:id="rId13"/>
+    <p:sldMasterId id="2147483672" r:id="rId13"/>
   </p:sldMasterIdLst>
   <p:notesMasterIdLst>
     <p:notesMasterId r:id="rId17"/>
@@ -3871,6 +3871,162 @@
           </a:p>
         </p:txBody>
       </p:sp>
+      <p:sp>
+        <p:nvSpPr>
+          <p:cNvPr id="4" name="텍스트 상자 1"/>
+          <p:cNvSpPr txBox="1">
+            <a:spLocks/>
+          </p:cNvSpPr>
+          <p:nvPr/>
+        </p:nvSpPr>
+        <p:spPr>
+          <a:xfrm rot="0">
+            <a:off x="1271270" y="2259330"/>
+            <a:ext cx="7432040" cy="854710"/>
+          </a:xfrm>
+          <a:prstGeom prst="rect"/>
+          <a:noFill/>
+          <a:ln w="0" cap="flat" cmpd="sng">
+            <a:solidFill>
+              <a:srgbClr val="FFFFFF">
+                <a:alpha val="100000"/>
+              </a:srgbClr>
+            </a:solidFill>
+            <a:prstDash val="solid"/>
+          </a:ln>
+        </p:spPr>
+        <p:txBody>
+          <a:bodyPr wrap="square" lIns="89535" tIns="46355" rIns="89535" bIns="46355" numCol="1" vert="horz" anchor="t">
+            <a:spAutoFit/>
+          </a:bodyPr>
+          <a:lstStyle/>
+          <a:p>
+            <a:pPr marL="0" indent="0" algn="l">
+              <a:buFontTx/>
+              <a:buNone/>
+            </a:pPr>
+            <a:r>
+              <a:rPr i="0" b="1">
+                <a:solidFill>
+                  <a:srgbClr val="212529"/>
+                </a:solidFill>
+                <a:latin typeface="Malgun Gothic" charset="0"/>
+                <a:ea typeface="Malgun Gothic" charset="0"/>
+              </a:rPr>
+              <a:t>씬</a:t>
+            </a:r>
+            <a:r>
+              <a:rPr i="0" b="1">
+                <a:solidFill>
+                  <a:srgbClr val="212529"/>
+                </a:solidFill>
+                <a:latin typeface="Malgun Gothic" charset="0"/>
+                <a:ea typeface="Malgun Gothic" charset="0"/>
+              </a:rPr>
+              <a:t>(S</a:t>
+            </a:r>
+            <a:r>
+              <a:rPr lang="ko-KR" i="0" b="1">
+                <a:solidFill>
+                  <a:srgbClr val="212529"/>
+                </a:solidFill>
+                <a:latin typeface="Malgun Gothic" charset="0"/>
+                <a:ea typeface="Malgun Gothic" charset="0"/>
+              </a:rPr>
+              <a:t>c</a:t>
+            </a:r>
+            <a:r>
+              <a:rPr lang="ko-KR" i="0" b="1">
+                <a:solidFill>
+                  <a:srgbClr val="212529"/>
+                </a:solidFill>
+                <a:latin typeface="Malgun Gothic" charset="0"/>
+                <a:ea typeface="Malgun Gothic" charset="0"/>
+              </a:rPr>
+              <a:t>ene</a:t>
+            </a:r>
+            <a:r>
+              <a:rPr i="0" b="1">
+                <a:solidFill>
+                  <a:srgbClr val="212529"/>
+                </a:solidFill>
+                <a:latin typeface="Malgun Gothic" charset="0"/>
+                <a:ea typeface="Malgun Gothic" charset="0"/>
+              </a:rPr>
+              <a:t>) </a:t>
+            </a:r>
+            <a:r>
+              <a:rPr i="0" b="1">
+                <a:solidFill>
+                  <a:srgbClr val="212529"/>
+                </a:solidFill>
+                <a:latin typeface="Malgun Gothic" charset="0"/>
+                <a:ea typeface="Malgun Gothic" charset="0"/>
+              </a:rPr>
+              <a:t>전환</a:t>
+            </a:r>
+            <a:endParaRPr lang="ko-KR" altLang="en-US" i="0" b="1">
+              <a:solidFill>
+                <a:srgbClr val="212529"/>
+              </a:solidFill>
+              <a:latin typeface="Malgun Gothic" charset="0"/>
+              <a:ea typeface="Malgun Gothic" charset="0"/>
+            </a:endParaRPr>
+          </a:p>
+          <a:p>
+            <a:pPr marL="0" indent="0" algn="l">
+              <a:buFontTx/>
+              <a:buNone/>
+            </a:pPr>
+            <a:endParaRPr lang="ko-KR" altLang="en-US" sz="1350" i="0" b="0">
+              <a:solidFill>
+                <a:srgbClr val="212529"/>
+              </a:solidFill>
+              <a:latin typeface="Malgun Gothic" charset="0"/>
+              <a:ea typeface="Malgun Gothic" charset="0"/>
+            </a:endParaRPr>
+          </a:p>
+          <a:p>
+            <a:pPr marL="0" indent="0" algn="l">
+              <a:buFontTx/>
+              <a:buNone/>
+            </a:pPr>
+            <a:endParaRPr lang="ko-KR" altLang="en-US" sz="1800">
+              <a:latin typeface="맑은 고딕" charset="0"/>
+              <a:ea typeface="맑은 고딕" charset="0"/>
+            </a:endParaRPr>
+          </a:p>
+        </p:txBody>
+      </p:sp>
+      <p:pic>
+        <p:nvPicPr>
+          <p:cNvPr id="5" name="그림 2" descr="C:/Users/limsg/AppData/Roaming/PolarisOffice/ETemp/15908_16710592/fImage743222841.png"/>
+          <p:cNvPicPr>
+            <a:picLocks noChangeAspect="1"/>
+          </p:cNvPicPr>
+          <p:nvPr/>
+        </p:nvPicPr>
+        <p:blipFill rotWithShape="1">
+          <a:blip r:embed="rId4" cstate="print">
+            <a:extLst>
+              <a:ext uri="{28A0092B-C50C-407E-A947-70E740481C1C}">
+                <a14:useLocalDpi xmlns:a14="http://schemas.microsoft.com/office/drawing/2010/main" val="0"/>
+              </a:ext>
+            </a:extLst>
+          </a:blip>
+          <a:stretch>
+            <a:fillRect/>
+          </a:stretch>
+        </p:blipFill>
+        <p:spPr>
+          <a:xfrm rot="0">
+            <a:off x="1340485" y="2687955"/>
+            <a:ext cx="8931275" cy="3825875"/>
+          </a:xfrm>
+          <a:prstGeom prst="rect"/>
+          <a:noFill/>
+        </p:spPr>
+      </p:pic>
     </p:spTree>
   </p:cSld>
   <p:clrMapOvr>

--- a/client/lecture/2주차.pptx
+++ b/client/lecture/2주차.pptx
@@ -2,7 +2,7 @@
 <file path=ppt/presentation.xml><?xml version="1.0" encoding="utf-8"?>
 <p:presentation xmlns:a="http://schemas.openxmlformats.org/drawingml/2006/main" xmlns:r="http://schemas.openxmlformats.org/officeDocument/2006/relationships" xmlns:p="http://schemas.openxmlformats.org/presentationml/2006/main" xmlns:p14="http://schemas.microsoft.com/office/powerpoint/2010/main" saveSubsetFonts="1">
   <p:sldMasterIdLst>
-    <p:sldMasterId id="2147483672" r:id="rId13"/>
+    <p:sldMasterId id="2147483674" r:id="rId13"/>
   </p:sldMasterIdLst>
   <p:notesMasterIdLst>
     <p:notesMasterId r:id="rId17"/>
@@ -12,6 +12,7 @@
   </p:handoutMasterIdLst>
   <p:sldIdLst>
     <p:sldId id="257" r:id="rId19"/>
+    <p:sldId id="258" r:id="rId21"/>
   </p:sldIdLst>
   <p:sldSz cx="12192000" cy="6858000"/>
   <p:notesSz cx="6858000" cy="9144000"/>
@@ -730,6 +731,142 @@
           <a:xfrm rot="0">
             <a:off x="3884930" y="8685530"/>
             <a:ext cx="2972435" cy="459105"/>
+          </a:xfrm>
+          <a:prstGeom prst="rect"/>
+        </p:spPr>
+        <p:txBody>
+          <a:bodyPr wrap="square" lIns="91440" tIns="45720" rIns="91440" bIns="45720" numCol="1" vert="horz" anchor="b">
+            <a:noAutofit/>
+          </a:bodyPr>
+          <a:lstStyle/>
+          <a:p>
+            <a:pPr marL="0" indent="0">
+              <a:buFontTx/>
+              <a:buNone/>
+            </a:pPr>
+            <a:fld id="{B9320F77-B9A0-41C5-862A-B4B631284C64}" type="slidenum">
+              <a:rPr lang="ko-KR" altLang="en-US"/>
+              <a:t>1</a:t>
+            </a:fld>
+          </a:p>
+        </p:txBody>
+      </p:sp>
+    </p:spTree>
+  </p:cSld>
+  <p:clrMapOvr>
+    <a:masterClrMapping/>
+  </p:clrMapOvr>
+  <mc:AlternateContent xmlns:mc="http://schemas.openxmlformats.org/markup-compatibility/2006">
+    <mc:Choice xmlns:p14="http://schemas.microsoft.com/office/powerpoint/2010/main" Requires="p14">
+      <p:transition spd="slow" p14:dur="0"/>
+    </mc:Choice>
+    <mc:Fallback>
+      <p:transition spd="slow"/>
+    </mc:Fallback>
+  </mc:AlternateContent>
+</p:notes>
+</file>
+
+<file path=ppt/notesSlides/notesSlide2.xml><?xml version="1.0" encoding="utf-8"?>
+<p:notes xmlns:a="http://schemas.openxmlformats.org/drawingml/2006/main" xmlns:r="http://schemas.openxmlformats.org/officeDocument/2006/relationships" xmlns:p="http://schemas.openxmlformats.org/presentationml/2006/main">
+  <p:cSld>
+    <p:spTree>
+      <p:nvGrpSpPr>
+        <p:cNvPr id="1" name=""/>
+        <p:cNvGrpSpPr/>
+        <p:nvPr/>
+      </p:nvGrpSpPr>
+      <p:grpSpPr>
+        <a:xfrm>
+          <a:off x="0" y="0"/>
+          <a:ext cx="0" cy="0"/>
+          <a:chOff x="0" y="0"/>
+          <a:chExt cx="0" cy="0"/>
+        </a:xfrm>
+      </p:grpSpPr>
+      <p:sp>
+        <p:nvSpPr>
+          <p:cNvPr id="2" name="슬라이드 이미지 개체 틀 1"/>
+          <p:cNvSpPr>
+            <a:spLocks noGrp="1" noRot="1" noChangeAspect="1"/>
+          </p:cNvSpPr>
+          <p:nvPr>
+            <p:ph type="sldImg"/>
+          </p:nvPr>
+        </p:nvSpPr>
+        <p:spPr>
+          <a:xfrm rot="0">
+            <a:off x="685800" y="1143000"/>
+            <a:ext cx="5487670" cy="3087370"/>
+          </a:xfrm>
+          <a:prstGeom prst="rect"/>
+          <a:noFill/>
+          <a:ln w="12700" cap="flat" cmpd="sng">
+            <a:solidFill>
+              <a:srgbClr val="000000">
+                <a:alpha val="100000"/>
+              </a:srgbClr>
+            </a:solidFill>
+            <a:prstDash val="solid"/>
+          </a:ln>
+        </p:spPr>
+        <p:txBody>
+          <a:bodyPr wrap="square" lIns="0" tIns="0" rIns="0" bIns="0" numCol="1" vert="horz" anchor="t">
+            <a:noAutofit/>
+          </a:bodyPr>
+          <a:lstStyle/>
+          <a:p>
+            <a:pPr marL="0" indent="0">
+              <a:buFontTx/>
+              <a:buNone/>
+            </a:pPr>
+          </a:p>
+        </p:txBody>
+      </p:sp>
+      <p:sp>
+        <p:nvSpPr>
+          <p:cNvPr id="3" name="슬라이드 노트 개체 틀 2"/>
+          <p:cNvSpPr txBox="1">
+            <a:spLocks noGrp="1"/>
+          </p:cNvSpPr>
+          <p:nvPr>
+            <p:ph type="body" idx="1"/>
+          </p:nvPr>
+        </p:nvSpPr>
+        <p:spPr>
+          <a:xfrm rot="0">
+            <a:off x="685800" y="4400550"/>
+            <a:ext cx="5487670" cy="3601720"/>
+          </a:xfrm>
+          <a:prstGeom prst="rect"/>
+        </p:spPr>
+        <p:txBody>
+          <a:bodyPr wrap="square" lIns="91440" tIns="45720" rIns="91440" bIns="45720" numCol="1" vert="horz" anchor="t">
+            <a:noAutofit/>
+          </a:bodyPr>
+          <a:lstStyle/>
+          <a:p>
+            <a:pPr marL="0" indent="0">
+              <a:buFontTx/>
+              <a:buNone/>
+            </a:pPr>
+          </a:p>
+        </p:txBody>
+      </p:sp>
+      <p:sp>
+        <p:nvSpPr>
+          <p:cNvPr id="4" name="슬라이드 번호 개체 틀 3"/>
+          <p:cNvSpPr txBox="1">
+            <a:spLocks noGrp="1"/>
+          </p:cNvSpPr>
+          <p:nvPr>
+            <p:ph type="sldNum" idx="10"/>
+          </p:nvPr>
+        </p:nvSpPr>
+        <p:spPr>
+          <a:xfrm rot="0">
+            <a:off x="3884930" y="8685530"/>
+            <a:ext cx="2973070" cy="459740"/>
           </a:xfrm>
           <a:prstGeom prst="rect"/>
         </p:spPr>
@@ -4022,6 +4159,370 @@
           <a:xfrm rot="0">
             <a:off x="1340485" y="2687955"/>
             <a:ext cx="8931275" cy="3825875"/>
+          </a:xfrm>
+          <a:prstGeom prst="rect"/>
+          <a:noFill/>
+        </p:spPr>
+      </p:pic>
+    </p:spTree>
+  </p:cSld>
+  <p:clrMapOvr>
+    <a:masterClrMapping/>
+  </p:clrMapOvr>
+  <mc:AlternateContent xmlns:mc="http://schemas.openxmlformats.org/markup-compatibility/2006">
+    <mc:Choice xmlns:p14="http://schemas.microsoft.com/office/powerpoint/2010/main" Requires="p14">
+      <p:transition spd="slow" p14:dur="2000"/>
+    </mc:Choice>
+    <mc:Fallback>
+      <p:transition spd="slow"/>
+    </mc:Fallback>
+  </mc:AlternateContent>
+  <p:timing>
+    <p:tnLst>
+      <p:par>
+        <p:cTn id="1" dur="indefinite" restart="never" nodeType="tmRoot"/>
+      </p:par>
+    </p:tnLst>
+  </p:timing>
+</p:sld>
+</file>
+
+<file path=ppt/slides/slide2.xml><?xml version="1.0" encoding="utf-8"?>
+<p:sld xmlns:a="http://schemas.openxmlformats.org/drawingml/2006/main" xmlns:r="http://schemas.openxmlformats.org/officeDocument/2006/relationships" xmlns:p="http://schemas.openxmlformats.org/presentationml/2006/main">
+  <p:cSld>
+    <p:spTree>
+      <p:nvGrpSpPr>
+        <p:cNvPr id="1" name=""/>
+        <p:cNvGrpSpPr/>
+        <p:nvPr/>
+      </p:nvGrpSpPr>
+      <p:grpSpPr>
+        <a:xfrm>
+          <a:off x="0" y="0"/>
+          <a:ext cx="0" cy="0"/>
+          <a:chOff x="0" y="0"/>
+          <a:chExt cx="0" cy="0"/>
+        </a:xfrm>
+      </p:grpSpPr>
+      <p:sp>
+        <p:nvSpPr>
+          <p:cNvPr id="3" name="Rect 0"/>
+          <p:cNvSpPr txBox="1">
+            <a:spLocks/>
+          </p:cNvSpPr>
+          <p:nvPr/>
+        </p:nvSpPr>
+        <p:spPr>
+          <a:xfrm rot="0">
+            <a:off x="1269365" y="415290"/>
+            <a:ext cx="7432040" cy="1339215"/>
+          </a:xfrm>
+          <a:prstGeom prst="rect"/>
+          <a:noFill/>
+          <a:ln w="0" cap="flat" cmpd="sng">
+            <a:solidFill>
+              <a:srgbClr val="FFFFFF">
+                <a:alpha val="100000"/>
+              </a:srgbClr>
+            </a:solidFill>
+            <a:prstDash val="solid"/>
+          </a:ln>
+        </p:spPr>
+        <p:txBody>
+          <a:bodyPr wrap="square" lIns="89535" tIns="46355" rIns="89535" bIns="46355" numCol="1" vert="horz" anchor="t">
+            <a:spAutoFit/>
+          </a:bodyPr>
+          <a:lstStyle/>
+          <a:p>
+            <a:pPr marL="0" indent="0" algn="l">
+              <a:buFontTx/>
+              <a:buNone/>
+            </a:pPr>
+            <a:r>
+              <a:rPr i="0" b="1">
+                <a:solidFill>
+                  <a:srgbClr val="212529"/>
+                </a:solidFill>
+                <a:latin typeface="Malgun Gothic" charset="0"/>
+                <a:ea typeface="Malgun Gothic" charset="0"/>
+              </a:rPr>
+              <a:t>Scroll View 패턴</a:t>
+            </a:r>
+            <a:endParaRPr lang="ko-KR" altLang="en-US" i="0" b="1">
+              <a:solidFill>
+                <a:srgbClr val="212529"/>
+              </a:solidFill>
+              <a:latin typeface="Malgun Gothic" charset="0"/>
+              <a:ea typeface="Malgun Gothic" charset="0"/>
+            </a:endParaRPr>
+          </a:p>
+          <a:p>
+            <a:pPr marL="0" indent="0" algn="l">
+              <a:buFontTx/>
+              <a:buNone/>
+            </a:pPr>
+            <a:endParaRPr lang="ko-KR" altLang="en-US" i="0" b="1">
+              <a:solidFill>
+                <a:srgbClr val="212529"/>
+              </a:solidFill>
+              <a:latin typeface="Malgun Gothic" charset="0"/>
+              <a:ea typeface="Malgun Gothic" charset="0"/>
+            </a:endParaRPr>
+          </a:p>
+          <a:p>
+            <a:pPr marL="0" indent="0" algn="l">
+              <a:buFontTx/>
+              <a:buNone/>
+            </a:pPr>
+            <a:r>
+              <a:rPr sz="1350" i="0" b="0">
+                <a:solidFill>
+                  <a:srgbClr val="212529"/>
+                </a:solidFill>
+                <a:latin typeface="Malgun Gothic" charset="0"/>
+                <a:ea typeface="Malgun Gothic" charset="0"/>
+              </a:rPr>
+              <a:t> </a:t>
+            </a:r>
+            <a:r>
+              <a:rPr sz="1350" i="0" b="0">
+                <a:solidFill>
+                  <a:srgbClr val="212529"/>
+                </a:solidFill>
+                <a:latin typeface="Malgun Gothic" charset="0"/>
+                <a:ea typeface="Malgun Gothic" charset="0"/>
+              </a:rPr>
+              <a:t>- </a:t>
+            </a:r>
+            <a:r>
+              <a:rPr sz="1200" i="0" b="0">
+                <a:latin typeface="Arial" charset="0"/>
+                <a:ea typeface="-apple-system" charset="0"/>
+              </a:rPr>
+              <a:t>Vertical Layout Group</a:t>
+            </a:r>
+            <a:r>
+              <a:rPr sz="1200" i="0" b="0">
+                <a:latin typeface="Arial" charset="0"/>
+                <a:ea typeface="-apple-system" charset="0"/>
+              </a:rPr>
+              <a:t>,</a:t>
+            </a:r>
+            <a:r>
+              <a:rPr sz="1200" i="0" b="0">
+                <a:latin typeface="Arial" charset="0"/>
+                <a:ea typeface="-apple-system" charset="0"/>
+              </a:rPr>
+              <a:t> </a:t>
+            </a:r>
+            <a:r>
+              <a:rPr sz="1200" i="0" b="0">
+                <a:latin typeface="Arial" charset="0"/>
+                <a:ea typeface="-apple-system" charset="0"/>
+              </a:rPr>
+              <a:t>Content Size Fitter</a:t>
+            </a:r>
+            <a:endParaRPr lang="ko-KR" altLang="en-US" sz="1200" i="0" b="0">
+              <a:latin typeface="Arial" charset="0"/>
+              <a:ea typeface="-apple-system" charset="0"/>
+            </a:endParaRPr>
+          </a:p>
+          <a:p>
+            <a:pPr marL="0" indent="0" algn="l">
+              <a:buFontTx/>
+              <a:buNone/>
+            </a:pPr>
+            <a:r>
+              <a:rPr sz="1350" i="0" b="0">
+                <a:solidFill>
+                  <a:srgbClr val="212529"/>
+                </a:solidFill>
+                <a:latin typeface="Malgun Gothic" charset="0"/>
+                <a:ea typeface="Malgun Gothic" charset="0"/>
+              </a:rPr>
+              <a:t> - 인스턴스를 여러번 생성하지 않고, 인스턴스</a:t>
+            </a:r>
+            <a:r>
+              <a:rPr lang="ko-KR" sz="1350" i="0" b="0">
+                <a:solidFill>
+                  <a:srgbClr val="212529"/>
+                </a:solidFill>
+                <a:latin typeface="Malgun Gothic" charset="0"/>
+                <a:ea typeface="Malgun Gothic" charset="0"/>
+              </a:rPr>
+              <a:t>가</a:t>
+            </a:r>
+            <a:r>
+              <a:rPr lang="ko-KR" sz="1350" i="0" b="0">
+                <a:solidFill>
+                  <a:srgbClr val="212529"/>
+                </a:solidFill>
+                <a:latin typeface="Malgun Gothic" charset="0"/>
+                <a:ea typeface="Malgun Gothic" charset="0"/>
+              </a:rPr>
+              <a:t> </a:t>
+            </a:r>
+            <a:r>
+              <a:rPr lang="ko-KR" sz="1350" i="0" b="0">
+                <a:solidFill>
+                  <a:srgbClr val="212529"/>
+                </a:solidFill>
+                <a:latin typeface="Malgun Gothic" charset="0"/>
+                <a:ea typeface="Malgun Gothic" charset="0"/>
+              </a:rPr>
+              <a:t>지속되어 계속 활용 가능.</a:t>
+            </a:r>
+            <a:endParaRPr lang="ko-KR" altLang="en-US" sz="1350" i="0" b="0">
+              <a:solidFill>
+                <a:srgbClr val="212529"/>
+              </a:solidFill>
+              <a:latin typeface="Malgun Gothic" charset="0"/>
+              <a:ea typeface="Malgun Gothic" charset="0"/>
+            </a:endParaRPr>
+          </a:p>
+          <a:p>
+            <a:pPr marL="0" indent="0" algn="l">
+              <a:buFontTx/>
+              <a:buNone/>
+            </a:pPr>
+            <a:endParaRPr lang="ko-KR" altLang="en-US" sz="1800">
+              <a:latin typeface="맑은 고딕" charset="0"/>
+              <a:ea typeface="맑은 고딕" charset="0"/>
+            </a:endParaRPr>
+          </a:p>
+        </p:txBody>
+      </p:sp>
+      <p:sp>
+        <p:nvSpPr>
+          <p:cNvPr id="4" name="Rect 0"/>
+          <p:cNvSpPr txBox="1">
+            <a:spLocks/>
+          </p:cNvSpPr>
+          <p:nvPr/>
+        </p:nvSpPr>
+        <p:spPr>
+          <a:xfrm rot="0">
+            <a:off x="1271270" y="2259330"/>
+            <a:ext cx="7432675" cy="855345"/>
+          </a:xfrm>
+          <a:prstGeom prst="rect"/>
+          <a:noFill/>
+          <a:ln w="0" cap="flat" cmpd="sng">
+            <a:solidFill>
+              <a:srgbClr val="FFFFFF">
+                <a:alpha val="100000"/>
+              </a:srgbClr>
+            </a:solidFill>
+            <a:prstDash val="solid"/>
+          </a:ln>
+        </p:spPr>
+        <p:txBody>
+          <a:bodyPr wrap="square" lIns="89535" tIns="46355" rIns="89535" bIns="46355" numCol="1" vert="horz" anchor="t">
+            <a:spAutoFit/>
+          </a:bodyPr>
+          <a:lstStyle/>
+          <a:p>
+            <a:pPr marL="0" indent="0" algn="l">
+              <a:buFontTx/>
+              <a:buNone/>
+            </a:pPr>
+            <a:r>
+              <a:rPr i="0" b="1">
+                <a:solidFill>
+                  <a:srgbClr val="212529"/>
+                </a:solidFill>
+                <a:latin typeface="Malgun Gothic" charset="0"/>
+                <a:ea typeface="Malgun Gothic" charset="0"/>
+              </a:rPr>
+              <a:t>씬</a:t>
+            </a:r>
+            <a:r>
+              <a:rPr i="0" b="1">
+                <a:solidFill>
+                  <a:srgbClr val="212529"/>
+                </a:solidFill>
+                <a:latin typeface="Malgun Gothic" charset="0"/>
+                <a:ea typeface="Malgun Gothic" charset="0"/>
+              </a:rPr>
+              <a:t>(S</a:t>
+            </a:r>
+            <a:r>
+              <a:rPr lang="ko-KR" i="0" b="1">
+                <a:solidFill>
+                  <a:srgbClr val="212529"/>
+                </a:solidFill>
+                <a:latin typeface="Malgun Gothic" charset="0"/>
+                <a:ea typeface="Malgun Gothic" charset="0"/>
+              </a:rPr>
+              <a:t>cene</a:t>
+            </a:r>
+            <a:r>
+              <a:rPr i="0" b="1">
+                <a:solidFill>
+                  <a:srgbClr val="212529"/>
+                </a:solidFill>
+                <a:latin typeface="Malgun Gothic" charset="0"/>
+                <a:ea typeface="Malgun Gothic" charset="0"/>
+              </a:rPr>
+              <a:t>) 전환</a:t>
+            </a:r>
+            <a:endParaRPr lang="ko-KR" altLang="en-US" i="0" b="1">
+              <a:solidFill>
+                <a:srgbClr val="212529"/>
+              </a:solidFill>
+              <a:latin typeface="Malgun Gothic" charset="0"/>
+              <a:ea typeface="Malgun Gothic" charset="0"/>
+            </a:endParaRPr>
+          </a:p>
+          <a:p>
+            <a:pPr marL="0" indent="0" algn="l">
+              <a:buFontTx/>
+              <a:buNone/>
+            </a:pPr>
+            <a:endParaRPr lang="ko-KR" altLang="en-US" sz="1350" i="0" b="0">
+              <a:solidFill>
+                <a:srgbClr val="212529"/>
+              </a:solidFill>
+              <a:latin typeface="Malgun Gothic" charset="0"/>
+              <a:ea typeface="Malgun Gothic" charset="0"/>
+            </a:endParaRPr>
+          </a:p>
+          <a:p>
+            <a:pPr marL="0" indent="0" algn="l">
+              <a:buFontTx/>
+              <a:buNone/>
+            </a:pPr>
+            <a:endParaRPr lang="ko-KR" altLang="en-US" sz="1800">
+              <a:latin typeface="맑은 고딕" charset="0"/>
+              <a:ea typeface="맑은 고딕" charset="0"/>
+            </a:endParaRPr>
+          </a:p>
+        </p:txBody>
+      </p:sp>
+      <p:pic>
+        <p:nvPicPr>
+          <p:cNvPr id="5" name="Picture " descr="C:/Users/limsg/AppData/Roaming/PolarisOffice/ETemp/5688_18733032/fImage743222841.png"/>
+          <p:cNvPicPr>
+            <a:picLocks noChangeAspect="1"/>
+          </p:cNvPicPr>
+          <p:nvPr/>
+        </p:nvPicPr>
+        <p:blipFill rotWithShape="1">
+          <a:blip r:embed="rId2" cstate="hqprint">
+            <a:extLst>
+              <a:ext uri="{28A0092B-C50C-407E-A947-70E740481C1C}">
+                <a14:useLocalDpi xmlns:a14="http://schemas.microsoft.com/office/drawing/2010/main"/>
+              </a:ext>
+            </a:extLst>
+          </a:blip>
+          <a:stretch>
+            <a:fillRect/>
+          </a:stretch>
+        </p:blipFill>
+        <p:spPr>
+          <a:xfrm rot="0">
+            <a:off x="1340485" y="2687955"/>
+            <a:ext cx="8931910" cy="3826510"/>
           </a:xfrm>
           <a:prstGeom prst="rect"/>
           <a:noFill/>

--- a/client/lecture/2주차.pptx
+++ b/client/lecture/2주차.pptx
@@ -2,7 +2,7 @@
 <file path=ppt/presentation.xml><?xml version="1.0" encoding="utf-8"?>
 <p:presentation xmlns:a="http://schemas.openxmlformats.org/drawingml/2006/main" xmlns:r="http://schemas.openxmlformats.org/officeDocument/2006/relationships" xmlns:p="http://schemas.openxmlformats.org/presentationml/2006/main" xmlns:p14="http://schemas.microsoft.com/office/powerpoint/2010/main" saveSubsetFonts="1">
   <p:sldMasterIdLst>
-    <p:sldMasterId id="2147483674" r:id="rId13"/>
+    <p:sldMasterId id="2147483676" r:id="rId13"/>
   </p:sldMasterIdLst>
   <p:notesMasterIdLst>
     <p:notesMasterId r:id="rId17"/>
@@ -12,6 +12,7 @@
   </p:handoutMasterIdLst>
   <p:sldIdLst>
     <p:sldId id="257" r:id="rId19"/>
+    <p:sldId id="259" r:id="rId20"/>
     <p:sldId id="258" r:id="rId21"/>
   </p:sldIdLst>
   <p:sldSz cx="12192000" cy="6858000"/>
@@ -768,6 +769,142 @@
 </file>
 
 <file path=ppt/notesSlides/notesSlide2.xml><?xml version="1.0" encoding="utf-8"?>
+<p:notes xmlns:a="http://schemas.openxmlformats.org/drawingml/2006/main" xmlns:r="http://schemas.openxmlformats.org/officeDocument/2006/relationships" xmlns:p="http://schemas.openxmlformats.org/presentationml/2006/main">
+  <p:cSld>
+    <p:spTree>
+      <p:nvGrpSpPr>
+        <p:cNvPr id="1" name=""/>
+        <p:cNvGrpSpPr/>
+        <p:nvPr/>
+      </p:nvGrpSpPr>
+      <p:grpSpPr>
+        <a:xfrm>
+          <a:off x="0" y="0"/>
+          <a:ext cx="0" cy="0"/>
+          <a:chOff x="0" y="0"/>
+          <a:chExt cx="0" cy="0"/>
+        </a:xfrm>
+      </p:grpSpPr>
+      <p:sp>
+        <p:nvSpPr>
+          <p:cNvPr id="2" name="슬라이드 이미지 개체 틀 1"/>
+          <p:cNvSpPr>
+            <a:spLocks noGrp="1" noRot="1" noChangeAspect="1"/>
+          </p:cNvSpPr>
+          <p:nvPr>
+            <p:ph type="sldImg"/>
+          </p:nvPr>
+        </p:nvSpPr>
+        <p:spPr>
+          <a:xfrm rot="0">
+            <a:off x="685800" y="1143000"/>
+            <a:ext cx="5487670" cy="3087370"/>
+          </a:xfrm>
+          <a:prstGeom prst="rect"/>
+          <a:noFill/>
+          <a:ln w="12700" cap="flat" cmpd="sng">
+            <a:solidFill>
+              <a:srgbClr val="000000">
+                <a:alpha val="100000"/>
+              </a:srgbClr>
+            </a:solidFill>
+            <a:prstDash val="solid"/>
+          </a:ln>
+        </p:spPr>
+        <p:txBody>
+          <a:bodyPr wrap="square" lIns="0" tIns="0" rIns="0" bIns="0" numCol="1" vert="horz" anchor="t">
+            <a:noAutofit/>
+          </a:bodyPr>
+          <a:lstStyle/>
+          <a:p>
+            <a:pPr marL="0" indent="0">
+              <a:buFontTx/>
+              <a:buNone/>
+            </a:pPr>
+          </a:p>
+        </p:txBody>
+      </p:sp>
+      <p:sp>
+        <p:nvSpPr>
+          <p:cNvPr id="3" name="슬라이드 노트 개체 틀 2"/>
+          <p:cNvSpPr txBox="1">
+            <a:spLocks noGrp="1"/>
+          </p:cNvSpPr>
+          <p:nvPr>
+            <p:ph type="body" idx="1"/>
+          </p:nvPr>
+        </p:nvSpPr>
+        <p:spPr>
+          <a:xfrm rot="0">
+            <a:off x="685800" y="4400550"/>
+            <a:ext cx="5487670" cy="3601720"/>
+          </a:xfrm>
+          <a:prstGeom prst="rect"/>
+        </p:spPr>
+        <p:txBody>
+          <a:bodyPr wrap="square" lIns="91440" tIns="45720" rIns="91440" bIns="45720" numCol="1" vert="horz" anchor="t">
+            <a:noAutofit/>
+          </a:bodyPr>
+          <a:lstStyle/>
+          <a:p>
+            <a:pPr marL="0" indent="0">
+              <a:buFontTx/>
+              <a:buNone/>
+            </a:pPr>
+          </a:p>
+        </p:txBody>
+      </p:sp>
+      <p:sp>
+        <p:nvSpPr>
+          <p:cNvPr id="4" name="슬라이드 번호 개체 틀 3"/>
+          <p:cNvSpPr txBox="1">
+            <a:spLocks noGrp="1"/>
+          </p:cNvSpPr>
+          <p:nvPr>
+            <p:ph type="sldNum" idx="10"/>
+          </p:nvPr>
+        </p:nvSpPr>
+        <p:spPr>
+          <a:xfrm rot="0">
+            <a:off x="3884930" y="8685530"/>
+            <a:ext cx="2973070" cy="459740"/>
+          </a:xfrm>
+          <a:prstGeom prst="rect"/>
+        </p:spPr>
+        <p:txBody>
+          <a:bodyPr wrap="square" lIns="91440" tIns="45720" rIns="91440" bIns="45720" numCol="1" vert="horz" anchor="b">
+            <a:noAutofit/>
+          </a:bodyPr>
+          <a:lstStyle/>
+          <a:p>
+            <a:pPr marL="0" indent="0">
+              <a:buFontTx/>
+              <a:buNone/>
+            </a:pPr>
+            <a:fld id="{B9320F77-B9A0-41C5-862A-B4B631284C64}" type="slidenum">
+              <a:rPr lang="ko-KR" altLang="en-US"/>
+              <a:t>1</a:t>
+            </a:fld>
+          </a:p>
+        </p:txBody>
+      </p:sp>
+    </p:spTree>
+  </p:cSld>
+  <p:clrMapOvr>
+    <a:masterClrMapping/>
+  </p:clrMapOvr>
+  <mc:AlternateContent xmlns:mc="http://schemas.openxmlformats.org/markup-compatibility/2006">
+    <mc:Choice xmlns:p14="http://schemas.microsoft.com/office/powerpoint/2010/main" Requires="p14">
+      <p:transition spd="slow" p14:dur="0"/>
+    </mc:Choice>
+    <mc:Fallback>
+      <p:transition spd="slow"/>
+    </mc:Fallback>
+  </mc:AlternateContent>
+</p:notes>
+</file>
+
+<file path=ppt/notesSlides/notesSlide3.xml><?xml version="1.0" encoding="utf-8"?>
 <p:notes xmlns:a="http://schemas.openxmlformats.org/drawingml/2006/main" xmlns:r="http://schemas.openxmlformats.org/officeDocument/2006/relationships" xmlns:p="http://schemas.openxmlformats.org/presentationml/2006/main">
   <p:cSld>
     <p:spTree>
@@ -4137,14 +4274,14 @@
       </p:sp>
       <p:pic>
         <p:nvPicPr>
-          <p:cNvPr id="5" name="그림 2" descr="C:/Users/limsg/AppData/Roaming/PolarisOffice/ETemp/15908_16710592/fImage743222841.png"/>
+          <p:cNvPr id="5" name="그림 1" descr="C:/Users/limsg/AppData/Roaming/PolarisOffice/ETemp/9700_17749744/fImage14692610641.png"/>
           <p:cNvPicPr>
             <a:picLocks noChangeAspect="1"/>
           </p:cNvPicPr>
           <p:nvPr/>
         </p:nvPicPr>
         <p:blipFill rotWithShape="1">
-          <a:blip r:embed="rId4" cstate="print">
+          <a:blip r:embed="rId5" cstate="print">
             <a:extLst>
               <a:ext uri="{28A0092B-C50C-407E-A947-70E740481C1C}">
                 <a14:useLocalDpi xmlns:a14="http://schemas.microsoft.com/office/drawing/2010/main" val="0"/>
@@ -4157,8 +4294,8 @@
         </p:blipFill>
         <p:spPr>
           <a:xfrm rot="0">
-            <a:off x="1340485" y="2687955"/>
-            <a:ext cx="8931275" cy="3825875"/>
+            <a:off x="1411605" y="2684145"/>
+            <a:ext cx="6861175" cy="4016375"/>
           </a:xfrm>
           <a:prstGeom prst="rect"/>
           <a:noFill/>
@@ -4188,6 +4325,345 @@
 </file>
 
 <file path=ppt/slides/slide2.xml><?xml version="1.0" encoding="utf-8"?>
+<p:sld xmlns:a="http://schemas.openxmlformats.org/drawingml/2006/main" xmlns:r="http://schemas.openxmlformats.org/officeDocument/2006/relationships" xmlns:p="http://schemas.openxmlformats.org/presentationml/2006/main">
+  <p:cSld>
+    <p:spTree>
+      <p:nvGrpSpPr>
+        <p:cNvPr id="1" name=""/>
+        <p:cNvGrpSpPr/>
+        <p:nvPr/>
+      </p:nvGrpSpPr>
+      <p:grpSpPr>
+        <a:xfrm>
+          <a:off x="0" y="0"/>
+          <a:ext cx="0" cy="0"/>
+          <a:chOff x="0" y="0"/>
+          <a:chExt cx="0" cy="0"/>
+        </a:xfrm>
+      </p:grpSpPr>
+      <p:sp>
+        <p:nvSpPr>
+          <p:cNvPr id="3" name="Rect 0"/>
+          <p:cNvSpPr txBox="1">
+            <a:spLocks/>
+          </p:cNvSpPr>
+          <p:nvPr/>
+        </p:nvSpPr>
+        <p:spPr>
+          <a:xfrm rot="0">
+            <a:off x="1269365" y="415290"/>
+            <a:ext cx="7432040" cy="1616710"/>
+          </a:xfrm>
+          <a:prstGeom prst="rect"/>
+          <a:noFill/>
+          <a:ln w="0" cap="flat" cmpd="sng">
+            <a:solidFill>
+              <a:srgbClr val="FFFFFF">
+                <a:alpha val="100000"/>
+              </a:srgbClr>
+            </a:solidFill>
+            <a:prstDash val="solid"/>
+          </a:ln>
+        </p:spPr>
+        <p:txBody>
+          <a:bodyPr wrap="square" lIns="89535" tIns="46355" rIns="89535" bIns="46355" numCol="1" vert="horz" anchor="t">
+            <a:spAutoFit/>
+          </a:bodyPr>
+          <a:lstStyle/>
+          <a:p>
+            <a:pPr marL="0" indent="0" algn="l">
+              <a:buFontTx/>
+              <a:buNone/>
+            </a:pPr>
+            <a:r>
+              <a:rPr i="0" b="1">
+                <a:solidFill>
+                  <a:srgbClr val="212529"/>
+                </a:solidFill>
+                <a:latin typeface="Malgun Gothic" charset="0"/>
+                <a:ea typeface="Malgun Gothic" charset="0"/>
+              </a:rPr>
+              <a:t>싱글톤(Singleton) 패턴</a:t>
+            </a:r>
+            <a:endParaRPr lang="ko-KR" altLang="en-US" i="0" b="1">
+              <a:solidFill>
+                <a:srgbClr val="212529"/>
+              </a:solidFill>
+              <a:latin typeface="Malgun Gothic" charset="0"/>
+              <a:ea typeface="Malgun Gothic" charset="0"/>
+            </a:endParaRPr>
+          </a:p>
+          <a:p>
+            <a:pPr marL="0" indent="0" algn="l">
+              <a:buFontTx/>
+              <a:buNone/>
+            </a:pPr>
+            <a:endParaRPr lang="ko-KR" altLang="en-US" i="0" b="1">
+              <a:solidFill>
+                <a:srgbClr val="212529"/>
+              </a:solidFill>
+              <a:latin typeface="Malgun Gothic" charset="0"/>
+              <a:ea typeface="Malgun Gothic" charset="0"/>
+            </a:endParaRPr>
+          </a:p>
+          <a:p>
+            <a:pPr marL="0" indent="0" algn="l">
+              <a:buFontTx/>
+              <a:buNone/>
+            </a:pPr>
+            <a:r>
+              <a:rPr sz="1350" i="0" b="0">
+                <a:solidFill>
+                  <a:srgbClr val="212529"/>
+                </a:solidFill>
+                <a:latin typeface="Malgun Gothic" charset="0"/>
+                <a:ea typeface="Malgun Gothic" charset="0"/>
+              </a:rPr>
+              <a:t> </a:t>
+            </a:r>
+            <a:r>
+              <a:rPr sz="1350" i="0" b="0">
+                <a:solidFill>
+                  <a:srgbClr val="212529"/>
+                </a:solidFill>
+                <a:latin typeface="Malgun Gothic" charset="0"/>
+                <a:ea typeface="Malgun Gothic" charset="0"/>
+              </a:rPr>
+              <a:t>- 특정 클래스의 인스턴스를 1개만 생성되는 것을 보장하는 디자인 패턴.</a:t>
+            </a:r>
+            <a:endParaRPr lang="ko-KR" altLang="en-US" sz="1350" i="0" b="0">
+              <a:solidFill>
+                <a:srgbClr val="212529"/>
+              </a:solidFill>
+              <a:latin typeface="Malgun Gothic" charset="0"/>
+              <a:ea typeface="Malgun Gothic" charset="0"/>
+            </a:endParaRPr>
+          </a:p>
+          <a:p>
+            <a:pPr marL="0" indent="0" algn="l">
+              <a:buFontTx/>
+              <a:buNone/>
+            </a:pPr>
+            <a:r>
+              <a:rPr sz="1350" i="0" b="0">
+                <a:solidFill>
+                  <a:srgbClr val="212529"/>
+                </a:solidFill>
+                <a:latin typeface="Malgun Gothic" charset="0"/>
+                <a:ea typeface="Malgun Gothic" charset="0"/>
+              </a:rPr>
+              <a:t> - 인스턴스를 여러번 생성하지 않고, 인스턴스</a:t>
+            </a:r>
+            <a:r>
+              <a:rPr lang="ko-KR" sz="1350" i="0" b="0">
+                <a:solidFill>
+                  <a:srgbClr val="212529"/>
+                </a:solidFill>
+                <a:latin typeface="Malgun Gothic" charset="0"/>
+                <a:ea typeface="Malgun Gothic" charset="0"/>
+              </a:rPr>
+              <a:t>가</a:t>
+            </a:r>
+            <a:r>
+              <a:rPr lang="ko-KR" sz="1350" i="0" b="0">
+                <a:solidFill>
+                  <a:srgbClr val="212529"/>
+                </a:solidFill>
+                <a:latin typeface="Malgun Gothic" charset="0"/>
+                <a:ea typeface="Malgun Gothic" charset="0"/>
+              </a:rPr>
+              <a:t> </a:t>
+            </a:r>
+            <a:r>
+              <a:rPr lang="ko-KR" sz="1350" i="0" b="0">
+                <a:solidFill>
+                  <a:srgbClr val="212529"/>
+                </a:solidFill>
+                <a:latin typeface="Malgun Gothic" charset="0"/>
+                <a:ea typeface="Malgun Gothic" charset="0"/>
+              </a:rPr>
+              <a:t>지속되어 계속 활용 가능.</a:t>
+            </a:r>
+            <a:endParaRPr lang="ko-KR" altLang="en-US" sz="1350" i="0" b="0">
+              <a:solidFill>
+                <a:srgbClr val="212529"/>
+              </a:solidFill>
+              <a:latin typeface="Malgun Gothic" charset="0"/>
+              <a:ea typeface="Malgun Gothic" charset="0"/>
+            </a:endParaRPr>
+          </a:p>
+          <a:p>
+            <a:pPr marL="0" indent="0" algn="l">
+              <a:buFontTx/>
+              <a:buNone/>
+            </a:pPr>
+            <a:endParaRPr lang="ko-KR" altLang="en-US" sz="1800">
+              <a:latin typeface="맑은 고딕" charset="0"/>
+              <a:ea typeface="맑은 고딕" charset="0"/>
+            </a:endParaRPr>
+          </a:p>
+        </p:txBody>
+      </p:sp>
+      <p:sp>
+        <p:nvSpPr>
+          <p:cNvPr id="4" name="Rect 0"/>
+          <p:cNvSpPr txBox="1">
+            <a:spLocks/>
+          </p:cNvSpPr>
+          <p:nvPr/>
+        </p:nvSpPr>
+        <p:spPr>
+          <a:xfrm rot="0">
+            <a:off x="1271270" y="2259330"/>
+            <a:ext cx="7432675" cy="855345"/>
+          </a:xfrm>
+          <a:prstGeom prst="rect"/>
+          <a:noFill/>
+          <a:ln w="0" cap="flat" cmpd="sng">
+            <a:solidFill>
+              <a:srgbClr val="FFFFFF">
+                <a:alpha val="100000"/>
+              </a:srgbClr>
+            </a:solidFill>
+            <a:prstDash val="solid"/>
+          </a:ln>
+        </p:spPr>
+        <p:txBody>
+          <a:bodyPr wrap="square" lIns="89535" tIns="46355" rIns="89535" bIns="46355" numCol="1" vert="horz" anchor="t">
+            <a:spAutoFit/>
+          </a:bodyPr>
+          <a:lstStyle/>
+          <a:p>
+            <a:pPr marL="0" indent="0" algn="l">
+              <a:buFontTx/>
+              <a:buNone/>
+            </a:pPr>
+            <a:r>
+              <a:rPr i="0" b="1">
+                <a:solidFill>
+                  <a:srgbClr val="212529"/>
+                </a:solidFill>
+                <a:latin typeface="Malgun Gothic" charset="0"/>
+                <a:ea typeface="Malgun Gothic" charset="0"/>
+              </a:rPr>
+              <a:t>씬</a:t>
+            </a:r>
+            <a:r>
+              <a:rPr i="0" b="1">
+                <a:solidFill>
+                  <a:srgbClr val="212529"/>
+                </a:solidFill>
+                <a:latin typeface="Malgun Gothic" charset="0"/>
+                <a:ea typeface="Malgun Gothic" charset="0"/>
+              </a:rPr>
+              <a:t>(S</a:t>
+            </a:r>
+            <a:r>
+              <a:rPr lang="ko-KR" i="0" b="1">
+                <a:solidFill>
+                  <a:srgbClr val="212529"/>
+                </a:solidFill>
+                <a:latin typeface="Malgun Gothic" charset="0"/>
+                <a:ea typeface="Malgun Gothic" charset="0"/>
+              </a:rPr>
+              <a:t>cene</a:t>
+            </a:r>
+            <a:r>
+              <a:rPr i="0" b="1">
+                <a:solidFill>
+                  <a:srgbClr val="212529"/>
+                </a:solidFill>
+                <a:latin typeface="Malgun Gothic" charset="0"/>
+                <a:ea typeface="Malgun Gothic" charset="0"/>
+              </a:rPr>
+              <a:t>) 전환</a:t>
+            </a:r>
+            <a:endParaRPr lang="ko-KR" altLang="en-US" i="0" b="1">
+              <a:solidFill>
+                <a:srgbClr val="212529"/>
+              </a:solidFill>
+              <a:latin typeface="Malgun Gothic" charset="0"/>
+              <a:ea typeface="Malgun Gothic" charset="0"/>
+            </a:endParaRPr>
+          </a:p>
+          <a:p>
+            <a:pPr marL="0" indent="0" algn="l">
+              <a:buFontTx/>
+              <a:buNone/>
+            </a:pPr>
+            <a:endParaRPr lang="ko-KR" altLang="en-US" sz="1350" i="0" b="0">
+              <a:solidFill>
+                <a:srgbClr val="212529"/>
+              </a:solidFill>
+              <a:latin typeface="Malgun Gothic" charset="0"/>
+              <a:ea typeface="Malgun Gothic" charset="0"/>
+            </a:endParaRPr>
+          </a:p>
+          <a:p>
+            <a:pPr marL="0" indent="0" algn="l">
+              <a:buFontTx/>
+              <a:buNone/>
+            </a:pPr>
+            <a:endParaRPr lang="ko-KR" altLang="en-US" sz="1800">
+              <a:latin typeface="맑은 고딕" charset="0"/>
+              <a:ea typeface="맑은 고딕" charset="0"/>
+            </a:endParaRPr>
+          </a:p>
+        </p:txBody>
+      </p:sp>
+      <p:pic>
+        <p:nvPicPr>
+          <p:cNvPr id="5" name="Picture " descr="C:/Users/limsg/AppData/Roaming/PolarisOffice/ETemp/9700_17749744/fImage743222841.png"/>
+          <p:cNvPicPr>
+            <a:picLocks noChangeAspect="1"/>
+          </p:cNvPicPr>
+          <p:nvPr/>
+        </p:nvPicPr>
+        <p:blipFill rotWithShape="1">
+          <a:blip r:embed="rId2" cstate="hqprint">
+            <a:extLst>
+              <a:ext uri="{28A0092B-C50C-407E-A947-70E740481C1C}">
+                <a14:useLocalDpi xmlns:a14="http://schemas.microsoft.com/office/drawing/2010/main"/>
+              </a:ext>
+            </a:extLst>
+          </a:blip>
+          <a:stretch>
+            <a:fillRect/>
+          </a:stretch>
+        </p:blipFill>
+        <p:spPr>
+          <a:xfrm rot="0">
+            <a:off x="1340485" y="2687955"/>
+            <a:ext cx="8931910" cy="3826510"/>
+          </a:xfrm>
+          <a:prstGeom prst="rect"/>
+          <a:noFill/>
+        </p:spPr>
+      </p:pic>
+    </p:spTree>
+  </p:cSld>
+  <p:clrMapOvr>
+    <a:masterClrMapping/>
+  </p:clrMapOvr>
+  <mc:AlternateContent xmlns:mc="http://schemas.openxmlformats.org/markup-compatibility/2006">
+    <mc:Choice xmlns:p14="http://schemas.microsoft.com/office/powerpoint/2010/main" Requires="p14">
+      <p:transition spd="slow" p14:dur="2000"/>
+    </mc:Choice>
+    <mc:Fallback>
+      <p:transition spd="slow"/>
+    </mc:Fallback>
+  </mc:AlternateContent>
+  <p:timing>
+    <p:tnLst>
+      <p:par>
+        <p:cTn id="1" dur="indefinite" restart="never" nodeType="tmRoot"/>
+      </p:par>
+    </p:tnLst>
+  </p:timing>
+</p:sld>
+</file>
+
+<file path=ppt/slides/slide3.xml><?xml version="1.0" encoding="utf-8"?>
 <p:sld xmlns:a="http://schemas.openxmlformats.org/drawingml/2006/main" xmlns:r="http://schemas.openxmlformats.org/officeDocument/2006/relationships" xmlns:p="http://schemas.openxmlformats.org/presentationml/2006/main">
   <p:cSld>
     <p:spTree>

--- a/client/lecture/2주차.pptx
+++ b/client/lecture/2주차.pptx
@@ -2,7 +2,7 @@
 <file path=ppt/presentation.xml><?xml version="1.0" encoding="utf-8"?>
 <p:presentation xmlns:a="http://schemas.openxmlformats.org/drawingml/2006/main" xmlns:r="http://schemas.openxmlformats.org/officeDocument/2006/relationships" xmlns:p="http://schemas.openxmlformats.org/presentationml/2006/main" xmlns:p14="http://schemas.microsoft.com/office/powerpoint/2010/main" saveSubsetFonts="1">
   <p:sldMasterIdLst>
-    <p:sldMasterId id="2147483676" r:id="rId13"/>
+    <p:sldMasterId id="2147483678" r:id="rId13"/>
   </p:sldMasterIdLst>
   <p:notesMasterIdLst>
     <p:notesMasterId r:id="rId17"/>
@@ -12,8 +12,9 @@
   </p:handoutMasterIdLst>
   <p:sldIdLst>
     <p:sldId id="257" r:id="rId19"/>
-    <p:sldId id="259" r:id="rId20"/>
-    <p:sldId id="258" r:id="rId21"/>
+    <p:sldId id="259" r:id="rId21"/>
+    <p:sldId id="258" r:id="rId23"/>
+    <p:sldId id="260" r:id="rId25"/>
   </p:sldIdLst>
   <p:sldSz cx="12192000" cy="6858000"/>
   <p:notesSz cx="6858000" cy="9144000"/>
@@ -1004,6 +1005,142 @@
           <a:xfrm rot="0">
             <a:off x="3884930" y="8685530"/>
             <a:ext cx="2973070" cy="459740"/>
+          </a:xfrm>
+          <a:prstGeom prst="rect"/>
+        </p:spPr>
+        <p:txBody>
+          <a:bodyPr wrap="square" lIns="91440" tIns="45720" rIns="91440" bIns="45720" numCol="1" vert="horz" anchor="b">
+            <a:noAutofit/>
+          </a:bodyPr>
+          <a:lstStyle/>
+          <a:p>
+            <a:pPr marL="0" indent="0">
+              <a:buFontTx/>
+              <a:buNone/>
+            </a:pPr>
+            <a:fld id="{B9320F77-B9A0-41C5-862A-B4B631284C64}" type="slidenum">
+              <a:rPr lang="ko-KR" altLang="en-US"/>
+              <a:t>1</a:t>
+            </a:fld>
+          </a:p>
+        </p:txBody>
+      </p:sp>
+    </p:spTree>
+  </p:cSld>
+  <p:clrMapOvr>
+    <a:masterClrMapping/>
+  </p:clrMapOvr>
+  <mc:AlternateContent xmlns:mc="http://schemas.openxmlformats.org/markup-compatibility/2006">
+    <mc:Choice xmlns:p14="http://schemas.microsoft.com/office/powerpoint/2010/main" Requires="p14">
+      <p:transition spd="slow" p14:dur="0"/>
+    </mc:Choice>
+    <mc:Fallback>
+      <p:transition spd="slow"/>
+    </mc:Fallback>
+  </mc:AlternateContent>
+</p:notes>
+</file>
+
+<file path=ppt/notesSlides/notesSlide4.xml><?xml version="1.0" encoding="utf-8"?>
+<p:notes xmlns:a="http://schemas.openxmlformats.org/drawingml/2006/main" xmlns:r="http://schemas.openxmlformats.org/officeDocument/2006/relationships" xmlns:p="http://schemas.openxmlformats.org/presentationml/2006/main">
+  <p:cSld>
+    <p:spTree>
+      <p:nvGrpSpPr>
+        <p:cNvPr id="1" name=""/>
+        <p:cNvGrpSpPr/>
+        <p:nvPr/>
+      </p:nvGrpSpPr>
+      <p:grpSpPr>
+        <a:xfrm>
+          <a:off x="0" y="0"/>
+          <a:ext cx="0" cy="0"/>
+          <a:chOff x="0" y="0"/>
+          <a:chExt cx="0" cy="0"/>
+        </a:xfrm>
+      </p:grpSpPr>
+      <p:sp>
+        <p:nvSpPr>
+          <p:cNvPr id="2" name="슬라이드 이미지 개체 틀 1"/>
+          <p:cNvSpPr>
+            <a:spLocks noGrp="1" noRot="1" noChangeAspect="1"/>
+          </p:cNvSpPr>
+          <p:nvPr>
+            <p:ph type="sldImg"/>
+          </p:nvPr>
+        </p:nvSpPr>
+        <p:spPr>
+          <a:xfrm rot="0">
+            <a:off x="685800" y="1143000"/>
+            <a:ext cx="5488305" cy="3088005"/>
+          </a:xfrm>
+          <a:prstGeom prst="rect"/>
+          <a:noFill/>
+          <a:ln w="12700" cap="flat" cmpd="sng">
+            <a:solidFill>
+              <a:srgbClr val="000000">
+                <a:alpha val="100000"/>
+              </a:srgbClr>
+            </a:solidFill>
+            <a:prstDash val="solid"/>
+          </a:ln>
+        </p:spPr>
+        <p:txBody>
+          <a:bodyPr wrap="square" lIns="0" tIns="0" rIns="0" bIns="0" numCol="1" vert="horz" anchor="t">
+            <a:noAutofit/>
+          </a:bodyPr>
+          <a:lstStyle/>
+          <a:p>
+            <a:pPr marL="0" indent="0">
+              <a:buFontTx/>
+              <a:buNone/>
+            </a:pPr>
+          </a:p>
+        </p:txBody>
+      </p:sp>
+      <p:sp>
+        <p:nvSpPr>
+          <p:cNvPr id="3" name="슬라이드 노트 개체 틀 2"/>
+          <p:cNvSpPr txBox="1">
+            <a:spLocks noGrp="1"/>
+          </p:cNvSpPr>
+          <p:nvPr>
+            <p:ph type="body" idx="1"/>
+          </p:nvPr>
+        </p:nvSpPr>
+        <p:spPr>
+          <a:xfrm rot="0">
+            <a:off x="685800" y="4400550"/>
+            <a:ext cx="5488305" cy="3602355"/>
+          </a:xfrm>
+          <a:prstGeom prst="rect"/>
+        </p:spPr>
+        <p:txBody>
+          <a:bodyPr wrap="square" lIns="91440" tIns="45720" rIns="91440" bIns="45720" numCol="1" vert="horz" anchor="t">
+            <a:noAutofit/>
+          </a:bodyPr>
+          <a:lstStyle/>
+          <a:p>
+            <a:pPr marL="0" indent="0">
+              <a:buFontTx/>
+              <a:buNone/>
+            </a:pPr>
+          </a:p>
+        </p:txBody>
+      </p:sp>
+      <p:sp>
+        <p:nvSpPr>
+          <p:cNvPr id="4" name="슬라이드 번호 개체 틀 3"/>
+          <p:cNvSpPr txBox="1">
+            <a:spLocks noGrp="1"/>
+          </p:cNvSpPr>
+          <p:nvPr>
+            <p:ph type="sldNum" idx="10"/>
+          </p:nvPr>
+        </p:nvSpPr>
+        <p:spPr>
+          <a:xfrm rot="0">
+            <a:off x="3884930" y="8685530"/>
+            <a:ext cx="2973705" cy="460375"/>
           </a:xfrm>
           <a:prstGeom prst="rect"/>
         </p:spPr>
@@ -5004,6 +5141,365 @@
           <a:noFill/>
         </p:spPr>
       </p:pic>
+    </p:spTree>
+  </p:cSld>
+  <p:clrMapOvr>
+    <a:masterClrMapping/>
+  </p:clrMapOvr>
+  <mc:AlternateContent xmlns:mc="http://schemas.openxmlformats.org/markup-compatibility/2006">
+    <mc:Choice xmlns:p14="http://schemas.microsoft.com/office/powerpoint/2010/main" Requires="p14">
+      <p:transition spd="slow" p14:dur="2000"/>
+    </mc:Choice>
+    <mc:Fallback>
+      <p:transition spd="slow"/>
+    </mc:Fallback>
+  </mc:AlternateContent>
+  <p:timing>
+    <p:tnLst>
+      <p:par>
+        <p:cTn id="1" dur="indefinite" restart="never" nodeType="tmRoot"/>
+      </p:par>
+    </p:tnLst>
+  </p:timing>
+</p:sld>
+</file>
+
+<file path=ppt/slides/slide4.xml><?xml version="1.0" encoding="utf-8"?>
+<p:sld xmlns:a="http://schemas.openxmlformats.org/drawingml/2006/main" xmlns:r="http://schemas.openxmlformats.org/officeDocument/2006/relationships" xmlns:p="http://schemas.openxmlformats.org/presentationml/2006/main">
+  <p:cSld>
+    <p:spTree>
+      <p:nvGrpSpPr>
+        <p:cNvPr id="1" name=""/>
+        <p:cNvGrpSpPr/>
+        <p:nvPr/>
+      </p:nvGrpSpPr>
+      <p:grpSpPr>
+        <a:xfrm>
+          <a:off x="0" y="0"/>
+          <a:ext cx="0" cy="0"/>
+          <a:chOff x="0" y="0"/>
+          <a:chExt cx="0" cy="0"/>
+        </a:xfrm>
+      </p:grpSpPr>
+      <p:sp>
+        <p:nvSpPr>
+          <p:cNvPr id="3" name="Rect 0"/>
+          <p:cNvSpPr txBox="1">
+            <a:spLocks/>
+          </p:cNvSpPr>
+          <p:nvPr/>
+        </p:nvSpPr>
+        <p:spPr>
+          <a:xfrm rot="0">
+            <a:off x="1269365" y="415290"/>
+            <a:ext cx="7432675" cy="3007995"/>
+          </a:xfrm>
+          <a:prstGeom prst="rect"/>
+          <a:noFill/>
+          <a:ln w="0" cap="flat" cmpd="sng">
+            <a:solidFill>
+              <a:srgbClr val="FFFFFF">
+                <a:alpha val="100000"/>
+              </a:srgbClr>
+            </a:solidFill>
+            <a:prstDash val="solid"/>
+          </a:ln>
+        </p:spPr>
+        <p:txBody>
+          <a:bodyPr wrap="square" lIns="89535" tIns="46355" rIns="89535" bIns="46355" numCol="1" vert="horz" anchor="t">
+            <a:spAutoFit/>
+          </a:bodyPr>
+          <a:lstStyle/>
+          <a:p>
+            <a:pPr marL="0" indent="0" algn="l">
+              <a:buFontTx/>
+              <a:buNone/>
+            </a:pPr>
+            <a:r>
+              <a:rPr lang="ko-KR" i="0" b="1">
+                <a:solidFill>
+                  <a:srgbClr val="212529"/>
+                </a:solidFill>
+                <a:latin typeface="Malgun Gothic" charset="0"/>
+                <a:ea typeface="Malgun Gothic" charset="0"/>
+              </a:rPr>
+              <a:t>웹통신(G</a:t>
+            </a:r>
+            <a:r>
+              <a:rPr lang="ko-KR" i="0" b="1">
+                <a:solidFill>
+                  <a:srgbClr val="212529"/>
+                </a:solidFill>
+                <a:latin typeface="Malgun Gothic" charset="0"/>
+                <a:ea typeface="Malgun Gothic" charset="0"/>
+              </a:rPr>
+              <a:t>ET / POST)</a:t>
+            </a:r>
+            <a:endParaRPr lang="ko-KR" altLang="en-US" i="0" b="1">
+              <a:solidFill>
+                <a:srgbClr val="212529"/>
+              </a:solidFill>
+              <a:latin typeface="Malgun Gothic" charset="0"/>
+              <a:ea typeface="Malgun Gothic" charset="0"/>
+            </a:endParaRPr>
+          </a:p>
+          <a:p>
+            <a:pPr marL="0" indent="0" algn="l">
+              <a:buFontTx/>
+              <a:buNone/>
+            </a:pPr>
+            <a:endParaRPr lang="ko-KR" altLang="en-US" i="0" b="1">
+              <a:solidFill>
+                <a:srgbClr val="212529"/>
+              </a:solidFill>
+              <a:latin typeface="Malgun Gothic" charset="0"/>
+              <a:ea typeface="Malgun Gothic" charset="0"/>
+            </a:endParaRPr>
+          </a:p>
+          <a:p>
+            <a:pPr marL="0" indent="0" algn="l">
+              <a:buFontTx/>
+              <a:buNone/>
+            </a:pPr>
+            <a:r>
+              <a:rPr sz="1350" i="0" b="0">
+                <a:solidFill>
+                  <a:srgbClr val="212529"/>
+                </a:solidFill>
+                <a:latin typeface="Malgun Gothic" charset="0"/>
+                <a:ea typeface="Malgun Gothic" charset="0"/>
+              </a:rPr>
+              <a:t> </a:t>
+            </a:r>
+            <a:r>
+              <a:rPr lang="ko-KR" sz="1350" i="0" b="0">
+                <a:solidFill>
+                  <a:srgbClr val="212529"/>
+                </a:solidFill>
+                <a:latin typeface="Malgun Gothic" charset="0"/>
+                <a:ea typeface="Malgun Gothic" charset="0"/>
+              </a:rPr>
+              <a:t>G</a:t>
+            </a:r>
+            <a:r>
+              <a:rPr lang="ko-KR" sz="1350" i="0" b="0">
+                <a:solidFill>
+                  <a:srgbClr val="212529"/>
+                </a:solidFill>
+                <a:latin typeface="Malgun Gothic" charset="0"/>
+                <a:ea typeface="Malgun Gothic" charset="0"/>
+              </a:rPr>
+              <a:t>ET</a:t>
+            </a:r>
+            <a:endParaRPr lang="ko-KR" altLang="en-US" sz="1400" i="0" b="0">
+              <a:latin typeface="맑은 고딕" charset="0"/>
+              <a:ea typeface="맑은 고딕" charset="0"/>
+            </a:endParaRPr>
+          </a:p>
+          <a:p>
+            <a:pPr marL="0" indent="0" algn="l">
+              <a:buFontTx/>
+              <a:buNone/>
+            </a:pPr>
+            <a:r>
+              <a:rPr sz="1400" i="0" b="0">
+                <a:solidFill>
+                  <a:srgbClr val="212529"/>
+                </a:solidFill>
+                <a:latin typeface="맑은 고딕" charset="0"/>
+                <a:ea typeface="맑은 고딕" charset="0"/>
+              </a:rPr>
+              <a:t> - </a:t>
+            </a:r>
+            <a:r>
+              <a:rPr lang="ko-KR" sz="1400" i="0" b="1">
+                <a:solidFill>
+                  <a:srgbClr val="212529"/>
+                </a:solidFill>
+                <a:latin typeface="맑은 고딕" charset="0"/>
+                <a:ea typeface="맑은 고딕" charset="0"/>
+              </a:rPr>
+              <a:t>데이터를 주소(URL)에 붙여서 보냄.</a:t>
+            </a:r>
+            <a:endParaRPr lang="ko-KR" altLang="en-US" sz="1400" i="0" b="1">
+              <a:solidFill>
+                <a:srgbClr val="212529"/>
+              </a:solidFill>
+              <a:latin typeface="맑은 고딕" charset="0"/>
+              <a:ea typeface="맑은 고딕" charset="0"/>
+            </a:endParaRPr>
+          </a:p>
+          <a:p>
+            <a:pPr marL="0" indent="0" algn="l">
+              <a:buFontTx/>
+              <a:buNone/>
+            </a:pPr>
+            <a:r>
+              <a:rPr lang="ko-KR" i="0" b="1">
+                <a:solidFill>
+                  <a:srgbClr val="212529"/>
+                </a:solidFill>
+                <a:latin typeface="Malgun Gothic" charset="0"/>
+                <a:ea typeface="Malgun Gothic" charset="0"/>
+              </a:rPr>
+              <a:t> E</a:t>
+            </a:r>
+            <a:r>
+              <a:rPr lang="ko-KR" i="0" b="1">
+                <a:solidFill>
+                  <a:srgbClr val="212529"/>
+                </a:solidFill>
+                <a:latin typeface="Malgun Gothic" charset="0"/>
+                <a:ea typeface="Malgun Gothic" charset="0"/>
+              </a:rPr>
+              <a:t>x) </a:t>
+            </a:r>
+            <a:r>
+              <a:rPr lang="ko-KR" i="0" b="1">
+                <a:solidFill>
+                  <a:srgbClr val="212529"/>
+                </a:solidFill>
+                <a:latin typeface="Malgun Gothic" charset="0"/>
+                <a:ea typeface="Malgun Gothic" charset="0"/>
+              </a:rPr>
+              <a:t>https://example.com/search?query=t</a:t>
+            </a:r>
+            <a:r>
+              <a:rPr lang="ko-KR" i="0" b="1">
+                <a:solidFill>
+                  <a:srgbClr val="212529"/>
+                </a:solidFill>
+                <a:latin typeface="Malgun Gothic" charset="0"/>
+                <a:ea typeface="Malgun Gothic" charset="0"/>
+              </a:rPr>
+              <a:t>est</a:t>
+            </a:r>
+            <a:endParaRPr lang="ko-KR" altLang="en-US" i="0" b="1">
+              <a:solidFill>
+                <a:srgbClr val="212529"/>
+              </a:solidFill>
+              <a:latin typeface="Malgun Gothic" charset="0"/>
+              <a:ea typeface="Malgun Gothic" charset="0"/>
+            </a:endParaRPr>
+          </a:p>
+          <a:p>
+            <a:pPr marL="0" indent="0" algn="l">
+              <a:buFontTx/>
+              <a:buNone/>
+            </a:pPr>
+            <a:r>
+              <a:rPr lang="ko-KR" i="0" b="1">
+                <a:solidFill>
+                  <a:srgbClr val="212529"/>
+                </a:solidFill>
+                <a:latin typeface="Malgun Gothic" charset="0"/>
+                <a:ea typeface="Malgun Gothic" charset="0"/>
+              </a:rPr>
+              <a:t> </a:t>
+            </a:r>
+            <a:r>
+              <a:rPr lang="ko-KR" i="0" b="1">
+                <a:solidFill>
+                  <a:srgbClr val="212529"/>
+                </a:solidFill>
+                <a:latin typeface="Malgun Gothic" charset="0"/>
+                <a:ea typeface="Malgun Gothic" charset="0"/>
+              </a:rPr>
+              <a:t>- </a:t>
+            </a:r>
+            <a:r>
+              <a:rPr/>
+              <a:t>빠르지만 보안에 </a:t>
+            </a:r>
+            <a:r>
+              <a:rPr/>
+              <a:t>취약.</a:t>
+            </a:r>
+            <a:endParaRPr lang="ko-KR" altLang="en-US" i="0" b="1">
+              <a:solidFill>
+                <a:srgbClr val="212529"/>
+              </a:solidFill>
+              <a:latin typeface="Malgun Gothic" charset="0"/>
+              <a:ea typeface="Malgun Gothic" charset="0"/>
+            </a:endParaRPr>
+          </a:p>
+          <a:p>
+            <a:pPr marL="0" indent="0" algn="l">
+              <a:buFontTx/>
+              <a:buNone/>
+            </a:pPr>
+            <a:endParaRPr lang="ko-KR" altLang="en-US"/>
+          </a:p>
+          <a:p>
+            <a:pPr marL="0" indent="0" algn="l">
+              <a:buFontTx/>
+              <a:buNone/>
+            </a:pPr>
+            <a:endParaRPr lang="ko-KR" altLang="en-US"/>
+          </a:p>
+          <a:p>
+            <a:pPr marL="0" indent="0" algn="l">
+              <a:buFontTx/>
+              <a:buNone/>
+            </a:pPr>
+            <a:r>
+              <a:rPr lang="ko-KR"/>
+              <a:t>P</a:t>
+            </a:r>
+            <a:r>
+              <a:rPr lang="ko-KR"/>
+              <a:t>OST</a:t>
+            </a:r>
+            <a:endParaRPr lang="ko-KR" altLang="en-US"/>
+          </a:p>
+          <a:p>
+            <a:pPr marL="0" indent="0" algn="l">
+              <a:buFontTx/>
+              <a:buNone/>
+            </a:pPr>
+            <a:r>
+              <a:rPr lang="ko-KR"/>
+              <a:t> - </a:t>
+            </a:r>
+            <a:r>
+              <a:rPr/>
+              <a:t>데이터를 본문(body)에 숨겨서 보냄</a:t>
+            </a:r>
+            <a:r>
+              <a:rPr/>
+              <a:t>.</a:t>
+            </a:r>
+            <a:endParaRPr lang="ko-KR" altLang="en-US"/>
+          </a:p>
+          <a:p>
+            <a:pPr marL="0" indent="0" algn="l">
+              <a:buFontTx/>
+              <a:buNone/>
+            </a:pPr>
+            <a:r>
+              <a:rPr/>
+              <a:t> - </a:t>
+            </a:r>
+            <a:r>
+              <a:rPr/>
+              <a:t>보안에 좀 더 강함</a:t>
+            </a:r>
+            <a:r>
+              <a:rPr/>
+              <a:t>(</a:t>
+            </a:r>
+            <a:r>
+              <a:rPr lang="ko-KR"/>
+              <a:t>상대적으로</a:t>
+            </a:r>
+            <a:r>
+              <a:rPr/>
+              <a:t>)</a:t>
+            </a:r>
+            <a:endParaRPr lang="ko-KR" altLang="en-US"/>
+          </a:p>
+        </p:txBody>
+      </p:sp>
     </p:spTree>
   </p:cSld>
   <p:clrMapOvr>

--- a/client/lecture/2주차.pptx
+++ b/client/lecture/2주차.pptx
@@ -2,7 +2,7 @@
 <file path=ppt/presentation.xml><?xml version="1.0" encoding="utf-8"?>
 <p:presentation xmlns:a="http://schemas.openxmlformats.org/drawingml/2006/main" xmlns:r="http://schemas.openxmlformats.org/officeDocument/2006/relationships" xmlns:p="http://schemas.openxmlformats.org/presentationml/2006/main" xmlns:p14="http://schemas.microsoft.com/office/powerpoint/2010/main" saveSubsetFonts="1">
   <p:sldMasterIdLst>
-    <p:sldMasterId id="2147483678" r:id="rId13"/>
+    <p:sldMasterId id="2147483681" r:id="rId13"/>
   </p:sldMasterIdLst>
   <p:notesMasterIdLst>
     <p:notesMasterId r:id="rId17"/>
@@ -12,9 +12,7 @@
   </p:handoutMasterIdLst>
   <p:sldIdLst>
     <p:sldId id="257" r:id="rId19"/>
-    <p:sldId id="259" r:id="rId21"/>
-    <p:sldId id="258" r:id="rId23"/>
-    <p:sldId id="260" r:id="rId25"/>
+    <p:sldId id="261" r:id="rId21"/>
   </p:sldIdLst>
   <p:sldSz cx="12192000" cy="6858000"/>
   <p:notesSz cx="6858000" cy="9144000"/>
@@ -869,278 +867,6 @@
           <a:xfrm rot="0">
             <a:off x="3884930" y="8685530"/>
             <a:ext cx="2973070" cy="459740"/>
-          </a:xfrm>
-          <a:prstGeom prst="rect"/>
-        </p:spPr>
-        <p:txBody>
-          <a:bodyPr wrap="square" lIns="91440" tIns="45720" rIns="91440" bIns="45720" numCol="1" vert="horz" anchor="b">
-            <a:noAutofit/>
-          </a:bodyPr>
-          <a:lstStyle/>
-          <a:p>
-            <a:pPr marL="0" indent="0">
-              <a:buFontTx/>
-              <a:buNone/>
-            </a:pPr>
-            <a:fld id="{B9320F77-B9A0-41C5-862A-B4B631284C64}" type="slidenum">
-              <a:rPr lang="ko-KR" altLang="en-US"/>
-              <a:t>1</a:t>
-            </a:fld>
-          </a:p>
-        </p:txBody>
-      </p:sp>
-    </p:spTree>
-  </p:cSld>
-  <p:clrMapOvr>
-    <a:masterClrMapping/>
-  </p:clrMapOvr>
-  <mc:AlternateContent xmlns:mc="http://schemas.openxmlformats.org/markup-compatibility/2006">
-    <mc:Choice xmlns:p14="http://schemas.microsoft.com/office/powerpoint/2010/main" Requires="p14">
-      <p:transition spd="slow" p14:dur="0"/>
-    </mc:Choice>
-    <mc:Fallback>
-      <p:transition spd="slow"/>
-    </mc:Fallback>
-  </mc:AlternateContent>
-</p:notes>
-</file>
-
-<file path=ppt/notesSlides/notesSlide3.xml><?xml version="1.0" encoding="utf-8"?>
-<p:notes xmlns:a="http://schemas.openxmlformats.org/drawingml/2006/main" xmlns:r="http://schemas.openxmlformats.org/officeDocument/2006/relationships" xmlns:p="http://schemas.openxmlformats.org/presentationml/2006/main">
-  <p:cSld>
-    <p:spTree>
-      <p:nvGrpSpPr>
-        <p:cNvPr id="1" name=""/>
-        <p:cNvGrpSpPr/>
-        <p:nvPr/>
-      </p:nvGrpSpPr>
-      <p:grpSpPr>
-        <a:xfrm>
-          <a:off x="0" y="0"/>
-          <a:ext cx="0" cy="0"/>
-          <a:chOff x="0" y="0"/>
-          <a:chExt cx="0" cy="0"/>
-        </a:xfrm>
-      </p:grpSpPr>
-      <p:sp>
-        <p:nvSpPr>
-          <p:cNvPr id="2" name="슬라이드 이미지 개체 틀 1"/>
-          <p:cNvSpPr>
-            <a:spLocks noGrp="1" noRot="1" noChangeAspect="1"/>
-          </p:cNvSpPr>
-          <p:nvPr>
-            <p:ph type="sldImg"/>
-          </p:nvPr>
-        </p:nvSpPr>
-        <p:spPr>
-          <a:xfrm rot="0">
-            <a:off x="685800" y="1143000"/>
-            <a:ext cx="5487670" cy="3087370"/>
-          </a:xfrm>
-          <a:prstGeom prst="rect"/>
-          <a:noFill/>
-          <a:ln w="12700" cap="flat" cmpd="sng">
-            <a:solidFill>
-              <a:srgbClr val="000000">
-                <a:alpha val="100000"/>
-              </a:srgbClr>
-            </a:solidFill>
-            <a:prstDash val="solid"/>
-          </a:ln>
-        </p:spPr>
-        <p:txBody>
-          <a:bodyPr wrap="square" lIns="0" tIns="0" rIns="0" bIns="0" numCol="1" vert="horz" anchor="t">
-            <a:noAutofit/>
-          </a:bodyPr>
-          <a:lstStyle/>
-          <a:p>
-            <a:pPr marL="0" indent="0">
-              <a:buFontTx/>
-              <a:buNone/>
-            </a:pPr>
-          </a:p>
-        </p:txBody>
-      </p:sp>
-      <p:sp>
-        <p:nvSpPr>
-          <p:cNvPr id="3" name="슬라이드 노트 개체 틀 2"/>
-          <p:cNvSpPr txBox="1">
-            <a:spLocks noGrp="1"/>
-          </p:cNvSpPr>
-          <p:nvPr>
-            <p:ph type="body" idx="1"/>
-          </p:nvPr>
-        </p:nvSpPr>
-        <p:spPr>
-          <a:xfrm rot="0">
-            <a:off x="685800" y="4400550"/>
-            <a:ext cx="5487670" cy="3601720"/>
-          </a:xfrm>
-          <a:prstGeom prst="rect"/>
-        </p:spPr>
-        <p:txBody>
-          <a:bodyPr wrap="square" lIns="91440" tIns="45720" rIns="91440" bIns="45720" numCol="1" vert="horz" anchor="t">
-            <a:noAutofit/>
-          </a:bodyPr>
-          <a:lstStyle/>
-          <a:p>
-            <a:pPr marL="0" indent="0">
-              <a:buFontTx/>
-              <a:buNone/>
-            </a:pPr>
-          </a:p>
-        </p:txBody>
-      </p:sp>
-      <p:sp>
-        <p:nvSpPr>
-          <p:cNvPr id="4" name="슬라이드 번호 개체 틀 3"/>
-          <p:cNvSpPr txBox="1">
-            <a:spLocks noGrp="1"/>
-          </p:cNvSpPr>
-          <p:nvPr>
-            <p:ph type="sldNum" idx="10"/>
-          </p:nvPr>
-        </p:nvSpPr>
-        <p:spPr>
-          <a:xfrm rot="0">
-            <a:off x="3884930" y="8685530"/>
-            <a:ext cx="2973070" cy="459740"/>
-          </a:xfrm>
-          <a:prstGeom prst="rect"/>
-        </p:spPr>
-        <p:txBody>
-          <a:bodyPr wrap="square" lIns="91440" tIns="45720" rIns="91440" bIns="45720" numCol="1" vert="horz" anchor="b">
-            <a:noAutofit/>
-          </a:bodyPr>
-          <a:lstStyle/>
-          <a:p>
-            <a:pPr marL="0" indent="0">
-              <a:buFontTx/>
-              <a:buNone/>
-            </a:pPr>
-            <a:fld id="{B9320F77-B9A0-41C5-862A-B4B631284C64}" type="slidenum">
-              <a:rPr lang="ko-KR" altLang="en-US"/>
-              <a:t>1</a:t>
-            </a:fld>
-          </a:p>
-        </p:txBody>
-      </p:sp>
-    </p:spTree>
-  </p:cSld>
-  <p:clrMapOvr>
-    <a:masterClrMapping/>
-  </p:clrMapOvr>
-  <mc:AlternateContent xmlns:mc="http://schemas.openxmlformats.org/markup-compatibility/2006">
-    <mc:Choice xmlns:p14="http://schemas.microsoft.com/office/powerpoint/2010/main" Requires="p14">
-      <p:transition spd="slow" p14:dur="0"/>
-    </mc:Choice>
-    <mc:Fallback>
-      <p:transition spd="slow"/>
-    </mc:Fallback>
-  </mc:AlternateContent>
-</p:notes>
-</file>
-
-<file path=ppt/notesSlides/notesSlide4.xml><?xml version="1.0" encoding="utf-8"?>
-<p:notes xmlns:a="http://schemas.openxmlformats.org/drawingml/2006/main" xmlns:r="http://schemas.openxmlformats.org/officeDocument/2006/relationships" xmlns:p="http://schemas.openxmlformats.org/presentationml/2006/main">
-  <p:cSld>
-    <p:spTree>
-      <p:nvGrpSpPr>
-        <p:cNvPr id="1" name=""/>
-        <p:cNvGrpSpPr/>
-        <p:nvPr/>
-      </p:nvGrpSpPr>
-      <p:grpSpPr>
-        <a:xfrm>
-          <a:off x="0" y="0"/>
-          <a:ext cx="0" cy="0"/>
-          <a:chOff x="0" y="0"/>
-          <a:chExt cx="0" cy="0"/>
-        </a:xfrm>
-      </p:grpSpPr>
-      <p:sp>
-        <p:nvSpPr>
-          <p:cNvPr id="2" name="슬라이드 이미지 개체 틀 1"/>
-          <p:cNvSpPr>
-            <a:spLocks noGrp="1" noRot="1" noChangeAspect="1"/>
-          </p:cNvSpPr>
-          <p:nvPr>
-            <p:ph type="sldImg"/>
-          </p:nvPr>
-        </p:nvSpPr>
-        <p:spPr>
-          <a:xfrm rot="0">
-            <a:off x="685800" y="1143000"/>
-            <a:ext cx="5488305" cy="3088005"/>
-          </a:xfrm>
-          <a:prstGeom prst="rect"/>
-          <a:noFill/>
-          <a:ln w="12700" cap="flat" cmpd="sng">
-            <a:solidFill>
-              <a:srgbClr val="000000">
-                <a:alpha val="100000"/>
-              </a:srgbClr>
-            </a:solidFill>
-            <a:prstDash val="solid"/>
-          </a:ln>
-        </p:spPr>
-        <p:txBody>
-          <a:bodyPr wrap="square" lIns="0" tIns="0" rIns="0" bIns="0" numCol="1" vert="horz" anchor="t">
-            <a:noAutofit/>
-          </a:bodyPr>
-          <a:lstStyle/>
-          <a:p>
-            <a:pPr marL="0" indent="0">
-              <a:buFontTx/>
-              <a:buNone/>
-            </a:pPr>
-          </a:p>
-        </p:txBody>
-      </p:sp>
-      <p:sp>
-        <p:nvSpPr>
-          <p:cNvPr id="3" name="슬라이드 노트 개체 틀 2"/>
-          <p:cNvSpPr txBox="1">
-            <a:spLocks noGrp="1"/>
-          </p:cNvSpPr>
-          <p:nvPr>
-            <p:ph type="body" idx="1"/>
-          </p:nvPr>
-        </p:nvSpPr>
-        <p:spPr>
-          <a:xfrm rot="0">
-            <a:off x="685800" y="4400550"/>
-            <a:ext cx="5488305" cy="3602355"/>
-          </a:xfrm>
-          <a:prstGeom prst="rect"/>
-        </p:spPr>
-        <p:txBody>
-          <a:bodyPr wrap="square" lIns="91440" tIns="45720" rIns="91440" bIns="45720" numCol="1" vert="horz" anchor="t">
-            <a:noAutofit/>
-          </a:bodyPr>
-          <a:lstStyle/>
-          <a:p>
-            <a:pPr marL="0" indent="0">
-              <a:buFontTx/>
-              <a:buNone/>
-            </a:pPr>
-          </a:p>
-        </p:txBody>
-      </p:sp>
-      <p:sp>
-        <p:nvSpPr>
-          <p:cNvPr id="4" name="슬라이드 번호 개체 틀 3"/>
-          <p:cNvSpPr txBox="1">
-            <a:spLocks noGrp="1"/>
-          </p:cNvSpPr>
-          <p:nvPr>
-            <p:ph type="sldNum" idx="10"/>
-          </p:nvPr>
-        </p:nvSpPr>
-        <p:spPr>
-          <a:xfrm rot="0">
-            <a:off x="3884930" y="8685530"/>
-            <a:ext cx="2973705" cy="460375"/>
           </a:xfrm>
           <a:prstGeom prst="rect"/>
         </p:spPr>
@@ -4044,8 +3770,8 @@
         </p:nvSpPr>
         <p:spPr>
           <a:xfrm rot="0">
-            <a:off x="1269365" y="415290"/>
-            <a:ext cx="7431405" cy="1616075"/>
+            <a:off x="1499235" y="5332095"/>
+            <a:ext cx="7432040" cy="1131570"/>
           </a:xfrm>
           <a:prstGeom prst="rect"/>
           <a:noFill/>
@@ -4064,16 +3790,29 @@
           </a:bodyPr>
           <a:lstStyle/>
           <a:p>
-            <a:pPr marL="0" indent="0" algn="l"/>
-            <a:r>
-              <a:rPr spc="-5" i="0" b="1">
+            <a:pPr marL="0" indent="0" algn="l">
+              <a:buFontTx/>
+              <a:buNone/>
+            </a:pPr>
+            <a:r>
+              <a:rPr i="0" b="1">
                 <a:solidFill>
                   <a:srgbClr val="212529"/>
                 </a:solidFill>
                 <a:latin typeface="Malgun Gothic" charset="0"/>
                 <a:ea typeface="Malgun Gothic" charset="0"/>
               </a:rPr>
-              <a:t>싱글톤(Singleton) 패턴</a:t>
+              <a:t>화면 </a:t>
+            </a:r>
+            <a:r>
+              <a:rPr i="0" b="1">
+                <a:solidFill>
+                  <a:srgbClr val="212529"/>
+                </a:solidFill>
+                <a:latin typeface="Malgun Gothic" charset="0"/>
+                <a:ea typeface="Malgun Gothic" charset="0"/>
+              </a:rPr>
+              <a:t>비율</a:t>
             </a:r>
             <a:endParaRPr lang="ko-KR" altLang="en-US" i="0" b="1">
               <a:solidFill>
@@ -4084,7 +3823,10 @@
             </a:endParaRPr>
           </a:p>
           <a:p>
-            <a:pPr marL="0" indent="0" algn="l"/>
+            <a:pPr marL="0" indent="0" algn="l">
+              <a:buFontTx/>
+              <a:buNone/>
+            </a:pPr>
             <a:endParaRPr lang="ko-KR" altLang="en-US" i="0" b="1">
               <a:solidFill>
                 <a:srgbClr val="212529"/>
@@ -4094,46 +3836,49 @@
             </a:endParaRPr>
           </a:p>
           <a:p>
-            <a:pPr marL="0" indent="0" algn="l"/>
-            <a:r>
-              <a:rPr sz="1350" spc="-5" i="0" b="0">
+            <a:pPr marL="0" indent="0" algn="l">
+              <a:buFontTx/>
+              <a:buNone/>
+            </a:pPr>
+            <a:r>
+              <a:rPr sz="1350" i="0" b="0">
                 <a:solidFill>
                   <a:srgbClr val="212529"/>
                 </a:solidFill>
                 <a:latin typeface="Malgun Gothic" charset="0"/>
                 <a:ea typeface="Malgun Gothic" charset="0"/>
               </a:rPr>
-              <a:t> </a:t>
-            </a:r>
-            <a:r>
-              <a:rPr sz="1350" spc="-5" i="0" b="0">
+              <a:t>1</a:t>
+            </a:r>
+            <a:r>
+              <a:rPr sz="1350" i="0" b="0">
                 <a:solidFill>
                   <a:srgbClr val="212529"/>
                 </a:solidFill>
                 <a:latin typeface="Malgun Gothic" charset="0"/>
                 <a:ea typeface="Malgun Gothic" charset="0"/>
               </a:rPr>
-              <a:t>- </a:t>
-            </a:r>
-            <a:r>
-              <a:rPr sz="1350" spc="-5" i="0" b="0">
+              <a:t>280</a:t>
+            </a:r>
+            <a:r>
+              <a:rPr lang="ko-KR" sz="1350" i="0" b="0">
                 <a:solidFill>
                   <a:srgbClr val="212529"/>
                 </a:solidFill>
                 <a:latin typeface="Malgun Gothic" charset="0"/>
                 <a:ea typeface="Malgun Gothic" charset="0"/>
               </a:rPr>
-              <a:t>특정 클래스의 인스턴스를 1개만 생성되는 것을 보장하는 디자인 패턴</a:t>
-            </a:r>
-            <a:r>
-              <a:rPr sz="1350" spc="-5" i="0" b="0">
+              <a:t>x</a:t>
+            </a:r>
+            <a:r>
+              <a:rPr lang="ko-KR" sz="1350" i="0" b="0">
                 <a:solidFill>
                   <a:srgbClr val="212529"/>
                 </a:solidFill>
                 <a:latin typeface="Malgun Gothic" charset="0"/>
                 <a:ea typeface="Malgun Gothic" charset="0"/>
               </a:rPr>
-              <a:t>.</a:t>
+              <a:t>720</a:t>
             </a:r>
             <a:endParaRPr lang="ko-KR" altLang="en-US" sz="1350" i="0" b="0">
               <a:solidFill>
@@ -4144,260 +3889,6 @@
             </a:endParaRPr>
           </a:p>
           <a:p>
-            <a:pPr marL="0" indent="0" algn="l"/>
-            <a:r>
-              <a:rPr sz="1350" spc="-5" i="0" b="0">
-                <a:solidFill>
-                  <a:srgbClr val="212529"/>
-                </a:solidFill>
-                <a:latin typeface="Malgun Gothic" charset="0"/>
-                <a:ea typeface="Malgun Gothic" charset="0"/>
-              </a:rPr>
-              <a:t> </a:t>
-            </a:r>
-            <a:r>
-              <a:rPr sz="1350" spc="-5" i="0" b="0">
-                <a:solidFill>
-                  <a:srgbClr val="212529"/>
-                </a:solidFill>
-                <a:latin typeface="Malgun Gothic" charset="0"/>
-                <a:ea typeface="Malgun Gothic" charset="0"/>
-              </a:rPr>
-              <a:t>- </a:t>
-            </a:r>
-            <a:r>
-              <a:rPr sz="1350" spc="-5" i="0" b="0">
-                <a:solidFill>
-                  <a:srgbClr val="212529"/>
-                </a:solidFill>
-                <a:latin typeface="Malgun Gothic" charset="0"/>
-                <a:ea typeface="Malgun Gothic" charset="0"/>
-              </a:rPr>
-              <a:t>인스턴스를 </a:t>
-            </a:r>
-            <a:r>
-              <a:rPr sz="1350" spc="-5" i="0" b="0">
-                <a:solidFill>
-                  <a:srgbClr val="212529"/>
-                </a:solidFill>
-                <a:latin typeface="Malgun Gothic" charset="0"/>
-                <a:ea typeface="Malgun Gothic" charset="0"/>
-              </a:rPr>
-              <a:t>여러번</a:t>
-            </a:r>
-            <a:r>
-              <a:rPr sz="1350" spc="-5" i="0" b="0">
-                <a:solidFill>
-                  <a:srgbClr val="212529"/>
-                </a:solidFill>
-                <a:latin typeface="Malgun Gothic" charset="0"/>
-                <a:ea typeface="Malgun Gothic" charset="0"/>
-              </a:rPr>
-              <a:t> 생성하지 않고</a:t>
-            </a:r>
-            <a:r>
-              <a:rPr sz="1350" spc="-5" i="0" b="0">
-                <a:solidFill>
-                  <a:srgbClr val="212529"/>
-                </a:solidFill>
-                <a:latin typeface="Malgun Gothic" charset="0"/>
-                <a:ea typeface="Malgun Gothic" charset="0"/>
-              </a:rPr>
-              <a:t>,</a:t>
-            </a:r>
-            <a:r>
-              <a:rPr sz="1350" spc="-5" i="0" b="0">
-                <a:solidFill>
-                  <a:srgbClr val="212529"/>
-                </a:solidFill>
-                <a:latin typeface="Malgun Gothic" charset="0"/>
-                <a:ea typeface="Malgun Gothic" charset="0"/>
-              </a:rPr>
-              <a:t> 인스턴스</a:t>
-            </a:r>
-            <a:r>
-              <a:rPr lang="ko-KR" sz="1350" spc="-5" i="0" b="0">
-                <a:solidFill>
-                  <a:srgbClr val="212529"/>
-                </a:solidFill>
-                <a:latin typeface="Malgun Gothic" charset="0"/>
-                <a:ea typeface="Malgun Gothic" charset="0"/>
-              </a:rPr>
-              <a:t>가 </a:t>
-            </a:r>
-            <a:r>
-              <a:rPr lang="ko-KR" sz="1350" spc="-5" i="0" b="0">
-                <a:solidFill>
-                  <a:srgbClr val="212529"/>
-                </a:solidFill>
-                <a:latin typeface="Malgun Gothic" charset="0"/>
-                <a:ea typeface="Malgun Gothic" charset="0"/>
-              </a:rPr>
-              <a:t>지속되</a:t>
-            </a:r>
-            <a:r>
-              <a:rPr lang="ko-KR" sz="1350" spc="-5" i="0" b="0">
-                <a:solidFill>
-                  <a:srgbClr val="212529"/>
-                </a:solidFill>
-                <a:latin typeface="Malgun Gothic" charset="0"/>
-                <a:ea typeface="Malgun Gothic" charset="0"/>
-              </a:rPr>
-              <a:t>어 </a:t>
-            </a:r>
-            <a:r>
-              <a:rPr lang="ko-KR" sz="1350" spc="-5" i="0" b="0">
-                <a:solidFill>
-                  <a:srgbClr val="212529"/>
-                </a:solidFill>
-                <a:latin typeface="Malgun Gothic" charset="0"/>
-                <a:ea typeface="Malgun Gothic" charset="0"/>
-              </a:rPr>
-              <a:t>계속 활용 </a:t>
-            </a:r>
-            <a:r>
-              <a:rPr lang="ko-KR" sz="1350" spc="-5" i="0" b="0">
-                <a:solidFill>
-                  <a:srgbClr val="212529"/>
-                </a:solidFill>
-                <a:latin typeface="Malgun Gothic" charset="0"/>
-                <a:ea typeface="Malgun Gothic" charset="0"/>
-              </a:rPr>
-              <a:t>가능.</a:t>
-            </a:r>
-            <a:endParaRPr lang="ko-KR" altLang="en-US" sz="1350" i="0" b="0">
-              <a:solidFill>
-                <a:srgbClr val="212529"/>
-              </a:solidFill>
-              <a:latin typeface="Malgun Gothic" charset="0"/>
-              <a:ea typeface="Malgun Gothic" charset="0"/>
-            </a:endParaRPr>
-          </a:p>
-          <a:p>
-            <a:pPr marL="0" indent="0" algn="l"/>
-            <a:endParaRPr lang="ko-KR" altLang="en-US" sz="1800">
-              <a:latin typeface="맑은 고딕" charset="0"/>
-              <a:ea typeface="맑은 고딕" charset="0"/>
-            </a:endParaRPr>
-          </a:p>
-        </p:txBody>
-      </p:sp>
-      <p:sp>
-        <p:nvSpPr>
-          <p:cNvPr id="4" name="텍스트 상자 1"/>
-          <p:cNvSpPr txBox="1">
-            <a:spLocks/>
-          </p:cNvSpPr>
-          <p:nvPr/>
-        </p:nvSpPr>
-        <p:spPr>
-          <a:xfrm rot="0">
-            <a:off x="1271270" y="2259330"/>
-            <a:ext cx="7432040" cy="854710"/>
-          </a:xfrm>
-          <a:prstGeom prst="rect"/>
-          <a:noFill/>
-          <a:ln w="0" cap="flat" cmpd="sng">
-            <a:solidFill>
-              <a:srgbClr val="FFFFFF">
-                <a:alpha val="100000"/>
-              </a:srgbClr>
-            </a:solidFill>
-            <a:prstDash val="solid"/>
-          </a:ln>
-        </p:spPr>
-        <p:txBody>
-          <a:bodyPr wrap="square" lIns="89535" tIns="46355" rIns="89535" bIns="46355" numCol="1" vert="horz" anchor="t">
-            <a:spAutoFit/>
-          </a:bodyPr>
-          <a:lstStyle/>
-          <a:p>
-            <a:pPr marL="0" indent="0" algn="l">
-              <a:buFontTx/>
-              <a:buNone/>
-            </a:pPr>
-            <a:r>
-              <a:rPr i="0" b="1">
-                <a:solidFill>
-                  <a:srgbClr val="212529"/>
-                </a:solidFill>
-                <a:latin typeface="Malgun Gothic" charset="0"/>
-                <a:ea typeface="Malgun Gothic" charset="0"/>
-              </a:rPr>
-              <a:t>씬</a:t>
-            </a:r>
-            <a:r>
-              <a:rPr i="0" b="1">
-                <a:solidFill>
-                  <a:srgbClr val="212529"/>
-                </a:solidFill>
-                <a:latin typeface="Malgun Gothic" charset="0"/>
-                <a:ea typeface="Malgun Gothic" charset="0"/>
-              </a:rPr>
-              <a:t>(S</a:t>
-            </a:r>
-            <a:r>
-              <a:rPr lang="ko-KR" i="0" b="1">
-                <a:solidFill>
-                  <a:srgbClr val="212529"/>
-                </a:solidFill>
-                <a:latin typeface="Malgun Gothic" charset="0"/>
-                <a:ea typeface="Malgun Gothic" charset="0"/>
-              </a:rPr>
-              <a:t>c</a:t>
-            </a:r>
-            <a:r>
-              <a:rPr lang="ko-KR" i="0" b="1">
-                <a:solidFill>
-                  <a:srgbClr val="212529"/>
-                </a:solidFill>
-                <a:latin typeface="Malgun Gothic" charset="0"/>
-                <a:ea typeface="Malgun Gothic" charset="0"/>
-              </a:rPr>
-              <a:t>ene</a:t>
-            </a:r>
-            <a:r>
-              <a:rPr i="0" b="1">
-                <a:solidFill>
-                  <a:srgbClr val="212529"/>
-                </a:solidFill>
-                <a:latin typeface="Malgun Gothic" charset="0"/>
-                <a:ea typeface="Malgun Gothic" charset="0"/>
-              </a:rPr>
-              <a:t>) </a:t>
-            </a:r>
-            <a:r>
-              <a:rPr i="0" b="1">
-                <a:solidFill>
-                  <a:srgbClr val="212529"/>
-                </a:solidFill>
-                <a:latin typeface="Malgun Gothic" charset="0"/>
-                <a:ea typeface="Malgun Gothic" charset="0"/>
-              </a:rPr>
-              <a:t>전환</a:t>
-            </a:r>
-            <a:endParaRPr lang="ko-KR" altLang="en-US" i="0" b="1">
-              <a:solidFill>
-                <a:srgbClr val="212529"/>
-              </a:solidFill>
-              <a:latin typeface="Malgun Gothic" charset="0"/>
-              <a:ea typeface="Malgun Gothic" charset="0"/>
-            </a:endParaRPr>
-          </a:p>
-          <a:p>
-            <a:pPr marL="0" indent="0" algn="l">
-              <a:buFontTx/>
-              <a:buNone/>
-            </a:pPr>
-            <a:endParaRPr lang="ko-KR" altLang="en-US" sz="1350" i="0" b="0">
-              <a:solidFill>
-                <a:srgbClr val="212529"/>
-              </a:solidFill>
-              <a:latin typeface="Malgun Gothic" charset="0"/>
-              <a:ea typeface="Malgun Gothic" charset="0"/>
-            </a:endParaRPr>
-          </a:p>
-          <a:p>
             <a:pPr marL="0" indent="0" algn="l">
               <a:buFontTx/>
               <a:buNone/>
@@ -4411,17 +3902,17 @@
       </p:sp>
       <p:pic>
         <p:nvPicPr>
-          <p:cNvPr id="5" name="그림 1" descr="C:/Users/limsg/AppData/Roaming/PolarisOffice/ETemp/9700_17749744/fImage14692610641.png"/>
+          <p:cNvPr id="5" name="그림 1" descr="C:/Users/limsg/AppData/Roaming/PolarisOffice/ETemp/23016_7736416/fImage14692610641.png"/>
           <p:cNvPicPr>
             <a:picLocks noChangeAspect="1"/>
           </p:cNvPicPr>
           <p:nvPr/>
         </p:nvPicPr>
         <p:blipFill rotWithShape="1">
-          <a:blip r:embed="rId5" cstate="print">
+          <a:blip r:embed="rId5" cstate="hqprint">
             <a:extLst>
               <a:ext uri="{28A0092B-C50C-407E-A947-70E740481C1C}">
-                <a14:useLocalDpi xmlns:a14="http://schemas.microsoft.com/office/drawing/2010/main" val="0"/>
+                <a14:useLocalDpi xmlns:a14="http://schemas.microsoft.com/office/drawing/2010/main"/>
               </a:ext>
             </a:extLst>
           </a:blip>
@@ -4431,8 +3922,8 @@
         </p:blipFill>
         <p:spPr>
           <a:xfrm rot="0">
-            <a:off x="1411605" y="2684145"/>
-            <a:ext cx="6861175" cy="4016375"/>
+            <a:off x="1421765" y="140335"/>
+            <a:ext cx="8593455" cy="5027930"/>
           </a:xfrm>
           <a:prstGeom prst="rect"/>
           <a:noFill/>
@@ -4462,7 +3953,7 @@
 </file>
 
 <file path=ppt/slides/slide2.xml><?xml version="1.0" encoding="utf-8"?>
-<p:sld xmlns:a="http://schemas.openxmlformats.org/drawingml/2006/main" xmlns:r="http://schemas.openxmlformats.org/officeDocument/2006/relationships" xmlns:p="http://schemas.openxmlformats.org/presentationml/2006/main">
+<p:sld xmlns:a="http://schemas.openxmlformats.org/drawingml/2006/main" xmlns:r="http://schemas.openxmlformats.org/officeDocument/2006/relationships" xmlns:p="http://schemas.openxmlformats.org/presentationml/2006/main" xmlns:p14="http://schemas.microsoft.com/office/powerpoint/2010/main">
   <p:cSld>
     <p:spTree>
       <p:nvGrpSpPr>
@@ -4638,865 +4129,6 @@
               <a:latin typeface="맑은 고딕" charset="0"/>
               <a:ea typeface="맑은 고딕" charset="0"/>
             </a:endParaRPr>
-          </a:p>
-        </p:txBody>
-      </p:sp>
-      <p:sp>
-        <p:nvSpPr>
-          <p:cNvPr id="4" name="Rect 0"/>
-          <p:cNvSpPr txBox="1">
-            <a:spLocks/>
-          </p:cNvSpPr>
-          <p:nvPr/>
-        </p:nvSpPr>
-        <p:spPr>
-          <a:xfrm rot="0">
-            <a:off x="1271270" y="2259330"/>
-            <a:ext cx="7432675" cy="855345"/>
-          </a:xfrm>
-          <a:prstGeom prst="rect"/>
-          <a:noFill/>
-          <a:ln w="0" cap="flat" cmpd="sng">
-            <a:solidFill>
-              <a:srgbClr val="FFFFFF">
-                <a:alpha val="100000"/>
-              </a:srgbClr>
-            </a:solidFill>
-            <a:prstDash val="solid"/>
-          </a:ln>
-        </p:spPr>
-        <p:txBody>
-          <a:bodyPr wrap="square" lIns="89535" tIns="46355" rIns="89535" bIns="46355" numCol="1" vert="horz" anchor="t">
-            <a:spAutoFit/>
-          </a:bodyPr>
-          <a:lstStyle/>
-          <a:p>
-            <a:pPr marL="0" indent="0" algn="l">
-              <a:buFontTx/>
-              <a:buNone/>
-            </a:pPr>
-            <a:r>
-              <a:rPr i="0" b="1">
-                <a:solidFill>
-                  <a:srgbClr val="212529"/>
-                </a:solidFill>
-                <a:latin typeface="Malgun Gothic" charset="0"/>
-                <a:ea typeface="Malgun Gothic" charset="0"/>
-              </a:rPr>
-              <a:t>씬</a:t>
-            </a:r>
-            <a:r>
-              <a:rPr i="0" b="1">
-                <a:solidFill>
-                  <a:srgbClr val="212529"/>
-                </a:solidFill>
-                <a:latin typeface="Malgun Gothic" charset="0"/>
-                <a:ea typeface="Malgun Gothic" charset="0"/>
-              </a:rPr>
-              <a:t>(S</a:t>
-            </a:r>
-            <a:r>
-              <a:rPr lang="ko-KR" i="0" b="1">
-                <a:solidFill>
-                  <a:srgbClr val="212529"/>
-                </a:solidFill>
-                <a:latin typeface="Malgun Gothic" charset="0"/>
-                <a:ea typeface="Malgun Gothic" charset="0"/>
-              </a:rPr>
-              <a:t>cene</a:t>
-            </a:r>
-            <a:r>
-              <a:rPr i="0" b="1">
-                <a:solidFill>
-                  <a:srgbClr val="212529"/>
-                </a:solidFill>
-                <a:latin typeface="Malgun Gothic" charset="0"/>
-                <a:ea typeface="Malgun Gothic" charset="0"/>
-              </a:rPr>
-              <a:t>) 전환</a:t>
-            </a:r>
-            <a:endParaRPr lang="ko-KR" altLang="en-US" i="0" b="1">
-              <a:solidFill>
-                <a:srgbClr val="212529"/>
-              </a:solidFill>
-              <a:latin typeface="Malgun Gothic" charset="0"/>
-              <a:ea typeface="Malgun Gothic" charset="0"/>
-            </a:endParaRPr>
-          </a:p>
-          <a:p>
-            <a:pPr marL="0" indent="0" algn="l">
-              <a:buFontTx/>
-              <a:buNone/>
-            </a:pPr>
-            <a:endParaRPr lang="ko-KR" altLang="en-US" sz="1350" i="0" b="0">
-              <a:solidFill>
-                <a:srgbClr val="212529"/>
-              </a:solidFill>
-              <a:latin typeface="Malgun Gothic" charset="0"/>
-              <a:ea typeface="Malgun Gothic" charset="0"/>
-            </a:endParaRPr>
-          </a:p>
-          <a:p>
-            <a:pPr marL="0" indent="0" algn="l">
-              <a:buFontTx/>
-              <a:buNone/>
-            </a:pPr>
-            <a:endParaRPr lang="ko-KR" altLang="en-US" sz="1800">
-              <a:latin typeface="맑은 고딕" charset="0"/>
-              <a:ea typeface="맑은 고딕" charset="0"/>
-            </a:endParaRPr>
-          </a:p>
-        </p:txBody>
-      </p:sp>
-      <p:pic>
-        <p:nvPicPr>
-          <p:cNvPr id="5" name="Picture " descr="C:/Users/limsg/AppData/Roaming/PolarisOffice/ETemp/9700_17749744/fImage743222841.png"/>
-          <p:cNvPicPr>
-            <a:picLocks noChangeAspect="1"/>
-          </p:cNvPicPr>
-          <p:nvPr/>
-        </p:nvPicPr>
-        <p:blipFill rotWithShape="1">
-          <a:blip r:embed="rId2" cstate="hqprint">
-            <a:extLst>
-              <a:ext uri="{28A0092B-C50C-407E-A947-70E740481C1C}">
-                <a14:useLocalDpi xmlns:a14="http://schemas.microsoft.com/office/drawing/2010/main"/>
-              </a:ext>
-            </a:extLst>
-          </a:blip>
-          <a:stretch>
-            <a:fillRect/>
-          </a:stretch>
-        </p:blipFill>
-        <p:spPr>
-          <a:xfrm rot="0">
-            <a:off x="1340485" y="2687955"/>
-            <a:ext cx="8931910" cy="3826510"/>
-          </a:xfrm>
-          <a:prstGeom prst="rect"/>
-          <a:noFill/>
-        </p:spPr>
-      </p:pic>
-    </p:spTree>
-  </p:cSld>
-  <p:clrMapOvr>
-    <a:masterClrMapping/>
-  </p:clrMapOvr>
-  <mc:AlternateContent xmlns:mc="http://schemas.openxmlformats.org/markup-compatibility/2006">
-    <mc:Choice xmlns:p14="http://schemas.microsoft.com/office/powerpoint/2010/main" Requires="p14">
-      <p:transition spd="slow" p14:dur="2000"/>
-    </mc:Choice>
-    <mc:Fallback>
-      <p:transition spd="slow"/>
-    </mc:Fallback>
-  </mc:AlternateContent>
-  <p:timing>
-    <p:tnLst>
-      <p:par>
-        <p:cTn id="1" dur="indefinite" restart="never" nodeType="tmRoot"/>
-      </p:par>
-    </p:tnLst>
-  </p:timing>
-</p:sld>
-</file>
-
-<file path=ppt/slides/slide3.xml><?xml version="1.0" encoding="utf-8"?>
-<p:sld xmlns:a="http://schemas.openxmlformats.org/drawingml/2006/main" xmlns:r="http://schemas.openxmlformats.org/officeDocument/2006/relationships" xmlns:p="http://schemas.openxmlformats.org/presentationml/2006/main">
-  <p:cSld>
-    <p:spTree>
-      <p:nvGrpSpPr>
-        <p:cNvPr id="1" name=""/>
-        <p:cNvGrpSpPr/>
-        <p:nvPr/>
-      </p:nvGrpSpPr>
-      <p:grpSpPr>
-        <a:xfrm>
-          <a:off x="0" y="0"/>
-          <a:ext cx="0" cy="0"/>
-          <a:chOff x="0" y="0"/>
-          <a:chExt cx="0" cy="0"/>
-        </a:xfrm>
-      </p:grpSpPr>
-      <p:sp>
-        <p:nvSpPr>
-          <p:cNvPr id="3" name="Rect 0"/>
-          <p:cNvSpPr txBox="1">
-            <a:spLocks/>
-          </p:cNvSpPr>
-          <p:nvPr/>
-        </p:nvSpPr>
-        <p:spPr>
-          <a:xfrm rot="0">
-            <a:off x="1269365" y="415290"/>
-            <a:ext cx="7432040" cy="1339215"/>
-          </a:xfrm>
-          <a:prstGeom prst="rect"/>
-          <a:noFill/>
-          <a:ln w="0" cap="flat" cmpd="sng">
-            <a:solidFill>
-              <a:srgbClr val="FFFFFF">
-                <a:alpha val="100000"/>
-              </a:srgbClr>
-            </a:solidFill>
-            <a:prstDash val="solid"/>
-          </a:ln>
-        </p:spPr>
-        <p:txBody>
-          <a:bodyPr wrap="square" lIns="89535" tIns="46355" rIns="89535" bIns="46355" numCol="1" vert="horz" anchor="t">
-            <a:spAutoFit/>
-          </a:bodyPr>
-          <a:lstStyle/>
-          <a:p>
-            <a:pPr marL="0" indent="0" algn="l">
-              <a:buFontTx/>
-              <a:buNone/>
-            </a:pPr>
-            <a:r>
-              <a:rPr i="0" b="1">
-                <a:solidFill>
-                  <a:srgbClr val="212529"/>
-                </a:solidFill>
-                <a:latin typeface="Malgun Gothic" charset="0"/>
-                <a:ea typeface="Malgun Gothic" charset="0"/>
-              </a:rPr>
-              <a:t>Scroll View 패턴</a:t>
-            </a:r>
-            <a:endParaRPr lang="ko-KR" altLang="en-US" i="0" b="1">
-              <a:solidFill>
-                <a:srgbClr val="212529"/>
-              </a:solidFill>
-              <a:latin typeface="Malgun Gothic" charset="0"/>
-              <a:ea typeface="Malgun Gothic" charset="0"/>
-            </a:endParaRPr>
-          </a:p>
-          <a:p>
-            <a:pPr marL="0" indent="0" algn="l">
-              <a:buFontTx/>
-              <a:buNone/>
-            </a:pPr>
-            <a:endParaRPr lang="ko-KR" altLang="en-US" i="0" b="1">
-              <a:solidFill>
-                <a:srgbClr val="212529"/>
-              </a:solidFill>
-              <a:latin typeface="Malgun Gothic" charset="0"/>
-              <a:ea typeface="Malgun Gothic" charset="0"/>
-            </a:endParaRPr>
-          </a:p>
-          <a:p>
-            <a:pPr marL="0" indent="0" algn="l">
-              <a:buFontTx/>
-              <a:buNone/>
-            </a:pPr>
-            <a:r>
-              <a:rPr sz="1350" i="0" b="0">
-                <a:solidFill>
-                  <a:srgbClr val="212529"/>
-                </a:solidFill>
-                <a:latin typeface="Malgun Gothic" charset="0"/>
-                <a:ea typeface="Malgun Gothic" charset="0"/>
-              </a:rPr>
-              <a:t> </a:t>
-            </a:r>
-            <a:r>
-              <a:rPr sz="1350" i="0" b="0">
-                <a:solidFill>
-                  <a:srgbClr val="212529"/>
-                </a:solidFill>
-                <a:latin typeface="Malgun Gothic" charset="0"/>
-                <a:ea typeface="Malgun Gothic" charset="0"/>
-              </a:rPr>
-              <a:t>- </a:t>
-            </a:r>
-            <a:r>
-              <a:rPr sz="1200" i="0" b="0">
-                <a:latin typeface="Arial" charset="0"/>
-                <a:ea typeface="-apple-system" charset="0"/>
-              </a:rPr>
-              <a:t>Vertical Layout Group</a:t>
-            </a:r>
-            <a:r>
-              <a:rPr sz="1200" i="0" b="0">
-                <a:latin typeface="Arial" charset="0"/>
-                <a:ea typeface="-apple-system" charset="0"/>
-              </a:rPr>
-              <a:t>,</a:t>
-            </a:r>
-            <a:r>
-              <a:rPr sz="1200" i="0" b="0">
-                <a:latin typeface="Arial" charset="0"/>
-                <a:ea typeface="-apple-system" charset="0"/>
-              </a:rPr>
-              <a:t> </a:t>
-            </a:r>
-            <a:r>
-              <a:rPr sz="1200" i="0" b="0">
-                <a:latin typeface="Arial" charset="0"/>
-                <a:ea typeface="-apple-system" charset="0"/>
-              </a:rPr>
-              <a:t>Content Size Fitter</a:t>
-            </a:r>
-            <a:endParaRPr lang="ko-KR" altLang="en-US" sz="1200" i="0" b="0">
-              <a:latin typeface="Arial" charset="0"/>
-              <a:ea typeface="-apple-system" charset="0"/>
-            </a:endParaRPr>
-          </a:p>
-          <a:p>
-            <a:pPr marL="0" indent="0" algn="l">
-              <a:buFontTx/>
-              <a:buNone/>
-            </a:pPr>
-            <a:r>
-              <a:rPr sz="1350" i="0" b="0">
-                <a:solidFill>
-                  <a:srgbClr val="212529"/>
-                </a:solidFill>
-                <a:latin typeface="Malgun Gothic" charset="0"/>
-                <a:ea typeface="Malgun Gothic" charset="0"/>
-              </a:rPr>
-              <a:t> - 인스턴스를 여러번 생성하지 않고, 인스턴스</a:t>
-            </a:r>
-            <a:r>
-              <a:rPr lang="ko-KR" sz="1350" i="0" b="0">
-                <a:solidFill>
-                  <a:srgbClr val="212529"/>
-                </a:solidFill>
-                <a:latin typeface="Malgun Gothic" charset="0"/>
-                <a:ea typeface="Malgun Gothic" charset="0"/>
-              </a:rPr>
-              <a:t>가</a:t>
-            </a:r>
-            <a:r>
-              <a:rPr lang="ko-KR" sz="1350" i="0" b="0">
-                <a:solidFill>
-                  <a:srgbClr val="212529"/>
-                </a:solidFill>
-                <a:latin typeface="Malgun Gothic" charset="0"/>
-                <a:ea typeface="Malgun Gothic" charset="0"/>
-              </a:rPr>
-              <a:t> </a:t>
-            </a:r>
-            <a:r>
-              <a:rPr lang="ko-KR" sz="1350" i="0" b="0">
-                <a:solidFill>
-                  <a:srgbClr val="212529"/>
-                </a:solidFill>
-                <a:latin typeface="Malgun Gothic" charset="0"/>
-                <a:ea typeface="Malgun Gothic" charset="0"/>
-              </a:rPr>
-              <a:t>지속되어 계속 활용 가능.</a:t>
-            </a:r>
-            <a:endParaRPr lang="ko-KR" altLang="en-US" sz="1350" i="0" b="0">
-              <a:solidFill>
-                <a:srgbClr val="212529"/>
-              </a:solidFill>
-              <a:latin typeface="Malgun Gothic" charset="0"/>
-              <a:ea typeface="Malgun Gothic" charset="0"/>
-            </a:endParaRPr>
-          </a:p>
-          <a:p>
-            <a:pPr marL="0" indent="0" algn="l">
-              <a:buFontTx/>
-              <a:buNone/>
-            </a:pPr>
-            <a:endParaRPr lang="ko-KR" altLang="en-US" sz="1800">
-              <a:latin typeface="맑은 고딕" charset="0"/>
-              <a:ea typeface="맑은 고딕" charset="0"/>
-            </a:endParaRPr>
-          </a:p>
-        </p:txBody>
-      </p:sp>
-      <p:sp>
-        <p:nvSpPr>
-          <p:cNvPr id="4" name="Rect 0"/>
-          <p:cNvSpPr txBox="1">
-            <a:spLocks/>
-          </p:cNvSpPr>
-          <p:nvPr/>
-        </p:nvSpPr>
-        <p:spPr>
-          <a:xfrm rot="0">
-            <a:off x="1271270" y="2259330"/>
-            <a:ext cx="7432675" cy="855345"/>
-          </a:xfrm>
-          <a:prstGeom prst="rect"/>
-          <a:noFill/>
-          <a:ln w="0" cap="flat" cmpd="sng">
-            <a:solidFill>
-              <a:srgbClr val="FFFFFF">
-                <a:alpha val="100000"/>
-              </a:srgbClr>
-            </a:solidFill>
-            <a:prstDash val="solid"/>
-          </a:ln>
-        </p:spPr>
-        <p:txBody>
-          <a:bodyPr wrap="square" lIns="89535" tIns="46355" rIns="89535" bIns="46355" numCol="1" vert="horz" anchor="t">
-            <a:spAutoFit/>
-          </a:bodyPr>
-          <a:lstStyle/>
-          <a:p>
-            <a:pPr marL="0" indent="0" algn="l">
-              <a:buFontTx/>
-              <a:buNone/>
-            </a:pPr>
-            <a:r>
-              <a:rPr i="0" b="1">
-                <a:solidFill>
-                  <a:srgbClr val="212529"/>
-                </a:solidFill>
-                <a:latin typeface="Malgun Gothic" charset="0"/>
-                <a:ea typeface="Malgun Gothic" charset="0"/>
-              </a:rPr>
-              <a:t>씬</a:t>
-            </a:r>
-            <a:r>
-              <a:rPr i="0" b="1">
-                <a:solidFill>
-                  <a:srgbClr val="212529"/>
-                </a:solidFill>
-                <a:latin typeface="Malgun Gothic" charset="0"/>
-                <a:ea typeface="Malgun Gothic" charset="0"/>
-              </a:rPr>
-              <a:t>(S</a:t>
-            </a:r>
-            <a:r>
-              <a:rPr lang="ko-KR" i="0" b="1">
-                <a:solidFill>
-                  <a:srgbClr val="212529"/>
-                </a:solidFill>
-                <a:latin typeface="Malgun Gothic" charset="0"/>
-                <a:ea typeface="Malgun Gothic" charset="0"/>
-              </a:rPr>
-              <a:t>cene</a:t>
-            </a:r>
-            <a:r>
-              <a:rPr i="0" b="1">
-                <a:solidFill>
-                  <a:srgbClr val="212529"/>
-                </a:solidFill>
-                <a:latin typeface="Malgun Gothic" charset="0"/>
-                <a:ea typeface="Malgun Gothic" charset="0"/>
-              </a:rPr>
-              <a:t>) 전환</a:t>
-            </a:r>
-            <a:endParaRPr lang="ko-KR" altLang="en-US" i="0" b="1">
-              <a:solidFill>
-                <a:srgbClr val="212529"/>
-              </a:solidFill>
-              <a:latin typeface="Malgun Gothic" charset="0"/>
-              <a:ea typeface="Malgun Gothic" charset="0"/>
-            </a:endParaRPr>
-          </a:p>
-          <a:p>
-            <a:pPr marL="0" indent="0" algn="l">
-              <a:buFontTx/>
-              <a:buNone/>
-            </a:pPr>
-            <a:endParaRPr lang="ko-KR" altLang="en-US" sz="1350" i="0" b="0">
-              <a:solidFill>
-                <a:srgbClr val="212529"/>
-              </a:solidFill>
-              <a:latin typeface="Malgun Gothic" charset="0"/>
-              <a:ea typeface="Malgun Gothic" charset="0"/>
-            </a:endParaRPr>
-          </a:p>
-          <a:p>
-            <a:pPr marL="0" indent="0" algn="l">
-              <a:buFontTx/>
-              <a:buNone/>
-            </a:pPr>
-            <a:endParaRPr lang="ko-KR" altLang="en-US" sz="1800">
-              <a:latin typeface="맑은 고딕" charset="0"/>
-              <a:ea typeface="맑은 고딕" charset="0"/>
-            </a:endParaRPr>
-          </a:p>
-        </p:txBody>
-      </p:sp>
-      <p:pic>
-        <p:nvPicPr>
-          <p:cNvPr id="5" name="Picture " descr="C:/Users/limsg/AppData/Roaming/PolarisOffice/ETemp/5688_18733032/fImage743222841.png"/>
-          <p:cNvPicPr>
-            <a:picLocks noChangeAspect="1"/>
-          </p:cNvPicPr>
-          <p:nvPr/>
-        </p:nvPicPr>
-        <p:blipFill rotWithShape="1">
-          <a:blip r:embed="rId2" cstate="hqprint">
-            <a:extLst>
-              <a:ext uri="{28A0092B-C50C-407E-A947-70E740481C1C}">
-                <a14:useLocalDpi xmlns:a14="http://schemas.microsoft.com/office/drawing/2010/main"/>
-              </a:ext>
-            </a:extLst>
-          </a:blip>
-          <a:stretch>
-            <a:fillRect/>
-          </a:stretch>
-        </p:blipFill>
-        <p:spPr>
-          <a:xfrm rot="0">
-            <a:off x="1340485" y="2687955"/>
-            <a:ext cx="8931910" cy="3826510"/>
-          </a:xfrm>
-          <a:prstGeom prst="rect"/>
-          <a:noFill/>
-        </p:spPr>
-      </p:pic>
-    </p:spTree>
-  </p:cSld>
-  <p:clrMapOvr>
-    <a:masterClrMapping/>
-  </p:clrMapOvr>
-  <mc:AlternateContent xmlns:mc="http://schemas.openxmlformats.org/markup-compatibility/2006">
-    <mc:Choice xmlns:p14="http://schemas.microsoft.com/office/powerpoint/2010/main" Requires="p14">
-      <p:transition spd="slow" p14:dur="2000"/>
-    </mc:Choice>
-    <mc:Fallback>
-      <p:transition spd="slow"/>
-    </mc:Fallback>
-  </mc:AlternateContent>
-  <p:timing>
-    <p:tnLst>
-      <p:par>
-        <p:cTn id="1" dur="indefinite" restart="never" nodeType="tmRoot"/>
-      </p:par>
-    </p:tnLst>
-  </p:timing>
-</p:sld>
-</file>
-
-<file path=ppt/slides/slide4.xml><?xml version="1.0" encoding="utf-8"?>
-<p:sld xmlns:a="http://schemas.openxmlformats.org/drawingml/2006/main" xmlns:r="http://schemas.openxmlformats.org/officeDocument/2006/relationships" xmlns:p="http://schemas.openxmlformats.org/presentationml/2006/main">
-  <p:cSld>
-    <p:spTree>
-      <p:nvGrpSpPr>
-        <p:cNvPr id="1" name=""/>
-        <p:cNvGrpSpPr/>
-        <p:nvPr/>
-      </p:nvGrpSpPr>
-      <p:grpSpPr>
-        <a:xfrm>
-          <a:off x="0" y="0"/>
-          <a:ext cx="0" cy="0"/>
-          <a:chOff x="0" y="0"/>
-          <a:chExt cx="0" cy="0"/>
-        </a:xfrm>
-      </p:grpSpPr>
-      <p:sp>
-        <p:nvSpPr>
-          <p:cNvPr id="3" name="Rect 0"/>
-          <p:cNvSpPr txBox="1">
-            <a:spLocks/>
-          </p:cNvSpPr>
-          <p:nvPr/>
-        </p:nvSpPr>
-        <p:spPr>
-          <a:xfrm rot="0">
-            <a:off x="1269365" y="415290"/>
-            <a:ext cx="7432675" cy="3007995"/>
-          </a:xfrm>
-          <a:prstGeom prst="rect"/>
-          <a:noFill/>
-          <a:ln w="0" cap="flat" cmpd="sng">
-            <a:solidFill>
-              <a:srgbClr val="FFFFFF">
-                <a:alpha val="100000"/>
-              </a:srgbClr>
-            </a:solidFill>
-            <a:prstDash val="solid"/>
-          </a:ln>
-        </p:spPr>
-        <p:txBody>
-          <a:bodyPr wrap="square" lIns="89535" tIns="46355" rIns="89535" bIns="46355" numCol="1" vert="horz" anchor="t">
-            <a:spAutoFit/>
-          </a:bodyPr>
-          <a:lstStyle/>
-          <a:p>
-            <a:pPr marL="0" indent="0" algn="l">
-              <a:buFontTx/>
-              <a:buNone/>
-            </a:pPr>
-            <a:r>
-              <a:rPr lang="ko-KR" i="0" b="1">
-                <a:solidFill>
-                  <a:srgbClr val="212529"/>
-                </a:solidFill>
-                <a:latin typeface="Malgun Gothic" charset="0"/>
-                <a:ea typeface="Malgun Gothic" charset="0"/>
-              </a:rPr>
-              <a:t>웹통신(G</a:t>
-            </a:r>
-            <a:r>
-              <a:rPr lang="ko-KR" i="0" b="1">
-                <a:solidFill>
-                  <a:srgbClr val="212529"/>
-                </a:solidFill>
-                <a:latin typeface="Malgun Gothic" charset="0"/>
-                <a:ea typeface="Malgun Gothic" charset="0"/>
-              </a:rPr>
-              <a:t>ET / POST)</a:t>
-            </a:r>
-            <a:endParaRPr lang="ko-KR" altLang="en-US" i="0" b="1">
-              <a:solidFill>
-                <a:srgbClr val="212529"/>
-              </a:solidFill>
-              <a:latin typeface="Malgun Gothic" charset="0"/>
-              <a:ea typeface="Malgun Gothic" charset="0"/>
-            </a:endParaRPr>
-          </a:p>
-          <a:p>
-            <a:pPr marL="0" indent="0" algn="l">
-              <a:buFontTx/>
-              <a:buNone/>
-            </a:pPr>
-            <a:endParaRPr lang="ko-KR" altLang="en-US" i="0" b="1">
-              <a:solidFill>
-                <a:srgbClr val="212529"/>
-              </a:solidFill>
-              <a:latin typeface="Malgun Gothic" charset="0"/>
-              <a:ea typeface="Malgun Gothic" charset="0"/>
-            </a:endParaRPr>
-          </a:p>
-          <a:p>
-            <a:pPr marL="0" indent="0" algn="l">
-              <a:buFontTx/>
-              <a:buNone/>
-            </a:pPr>
-            <a:r>
-              <a:rPr sz="1350" i="0" b="0">
-                <a:solidFill>
-                  <a:srgbClr val="212529"/>
-                </a:solidFill>
-                <a:latin typeface="Malgun Gothic" charset="0"/>
-                <a:ea typeface="Malgun Gothic" charset="0"/>
-              </a:rPr>
-              <a:t> </a:t>
-            </a:r>
-            <a:r>
-              <a:rPr lang="ko-KR" sz="1350" i="0" b="0">
-                <a:solidFill>
-                  <a:srgbClr val="212529"/>
-                </a:solidFill>
-                <a:latin typeface="Malgun Gothic" charset="0"/>
-                <a:ea typeface="Malgun Gothic" charset="0"/>
-              </a:rPr>
-              <a:t>G</a:t>
-            </a:r>
-            <a:r>
-              <a:rPr lang="ko-KR" sz="1350" i="0" b="0">
-                <a:solidFill>
-                  <a:srgbClr val="212529"/>
-                </a:solidFill>
-                <a:latin typeface="Malgun Gothic" charset="0"/>
-                <a:ea typeface="Malgun Gothic" charset="0"/>
-              </a:rPr>
-              <a:t>ET</a:t>
-            </a:r>
-            <a:endParaRPr lang="ko-KR" altLang="en-US" sz="1400" i="0" b="0">
-              <a:latin typeface="맑은 고딕" charset="0"/>
-              <a:ea typeface="맑은 고딕" charset="0"/>
-            </a:endParaRPr>
-          </a:p>
-          <a:p>
-            <a:pPr marL="0" indent="0" algn="l">
-              <a:buFontTx/>
-              <a:buNone/>
-            </a:pPr>
-            <a:r>
-              <a:rPr sz="1400" i="0" b="0">
-                <a:solidFill>
-                  <a:srgbClr val="212529"/>
-                </a:solidFill>
-                <a:latin typeface="맑은 고딕" charset="0"/>
-                <a:ea typeface="맑은 고딕" charset="0"/>
-              </a:rPr>
-              <a:t> - </a:t>
-            </a:r>
-            <a:r>
-              <a:rPr lang="ko-KR" sz="1400" i="0" b="1">
-                <a:solidFill>
-                  <a:srgbClr val="212529"/>
-                </a:solidFill>
-                <a:latin typeface="맑은 고딕" charset="0"/>
-                <a:ea typeface="맑은 고딕" charset="0"/>
-              </a:rPr>
-              <a:t>데이터를 주소(URL)에 붙여서 보냄.</a:t>
-            </a:r>
-            <a:endParaRPr lang="ko-KR" altLang="en-US" sz="1400" i="0" b="1">
-              <a:solidFill>
-                <a:srgbClr val="212529"/>
-              </a:solidFill>
-              <a:latin typeface="맑은 고딕" charset="0"/>
-              <a:ea typeface="맑은 고딕" charset="0"/>
-            </a:endParaRPr>
-          </a:p>
-          <a:p>
-            <a:pPr marL="0" indent="0" algn="l">
-              <a:buFontTx/>
-              <a:buNone/>
-            </a:pPr>
-            <a:r>
-              <a:rPr lang="ko-KR" i="0" b="1">
-                <a:solidFill>
-                  <a:srgbClr val="212529"/>
-                </a:solidFill>
-                <a:latin typeface="Malgun Gothic" charset="0"/>
-                <a:ea typeface="Malgun Gothic" charset="0"/>
-              </a:rPr>
-              <a:t> E</a:t>
-            </a:r>
-            <a:r>
-              <a:rPr lang="ko-KR" i="0" b="1">
-                <a:solidFill>
-                  <a:srgbClr val="212529"/>
-                </a:solidFill>
-                <a:latin typeface="Malgun Gothic" charset="0"/>
-                <a:ea typeface="Malgun Gothic" charset="0"/>
-              </a:rPr>
-              <a:t>x) </a:t>
-            </a:r>
-            <a:r>
-              <a:rPr lang="ko-KR" i="0" b="1">
-                <a:solidFill>
-                  <a:srgbClr val="212529"/>
-                </a:solidFill>
-                <a:latin typeface="Malgun Gothic" charset="0"/>
-                <a:ea typeface="Malgun Gothic" charset="0"/>
-              </a:rPr>
-              <a:t>https://example.com/search?query=t</a:t>
-            </a:r>
-            <a:r>
-              <a:rPr lang="ko-KR" i="0" b="1">
-                <a:solidFill>
-                  <a:srgbClr val="212529"/>
-                </a:solidFill>
-                <a:latin typeface="Malgun Gothic" charset="0"/>
-                <a:ea typeface="Malgun Gothic" charset="0"/>
-              </a:rPr>
-              <a:t>est</a:t>
-            </a:r>
-            <a:endParaRPr lang="ko-KR" altLang="en-US" i="0" b="1">
-              <a:solidFill>
-                <a:srgbClr val="212529"/>
-              </a:solidFill>
-              <a:latin typeface="Malgun Gothic" charset="0"/>
-              <a:ea typeface="Malgun Gothic" charset="0"/>
-            </a:endParaRPr>
-          </a:p>
-          <a:p>
-            <a:pPr marL="0" indent="0" algn="l">
-              <a:buFontTx/>
-              <a:buNone/>
-            </a:pPr>
-            <a:r>
-              <a:rPr lang="ko-KR" i="0" b="1">
-                <a:solidFill>
-                  <a:srgbClr val="212529"/>
-                </a:solidFill>
-                <a:latin typeface="Malgun Gothic" charset="0"/>
-                <a:ea typeface="Malgun Gothic" charset="0"/>
-              </a:rPr>
-              <a:t> </a:t>
-            </a:r>
-            <a:r>
-              <a:rPr lang="ko-KR" i="0" b="1">
-                <a:solidFill>
-                  <a:srgbClr val="212529"/>
-                </a:solidFill>
-                <a:latin typeface="Malgun Gothic" charset="0"/>
-                <a:ea typeface="Malgun Gothic" charset="0"/>
-              </a:rPr>
-              <a:t>- </a:t>
-            </a:r>
-            <a:r>
-              <a:rPr/>
-              <a:t>빠르지만 보안에 </a:t>
-            </a:r>
-            <a:r>
-              <a:rPr/>
-              <a:t>취약.</a:t>
-            </a:r>
-            <a:endParaRPr lang="ko-KR" altLang="en-US" i="0" b="1">
-              <a:solidFill>
-                <a:srgbClr val="212529"/>
-              </a:solidFill>
-              <a:latin typeface="Malgun Gothic" charset="0"/>
-              <a:ea typeface="Malgun Gothic" charset="0"/>
-            </a:endParaRPr>
-          </a:p>
-          <a:p>
-            <a:pPr marL="0" indent="0" algn="l">
-              <a:buFontTx/>
-              <a:buNone/>
-            </a:pPr>
-            <a:endParaRPr lang="ko-KR" altLang="en-US"/>
-          </a:p>
-          <a:p>
-            <a:pPr marL="0" indent="0" algn="l">
-              <a:buFontTx/>
-              <a:buNone/>
-            </a:pPr>
-            <a:endParaRPr lang="ko-KR" altLang="en-US"/>
-          </a:p>
-          <a:p>
-            <a:pPr marL="0" indent="0" algn="l">
-              <a:buFontTx/>
-              <a:buNone/>
-            </a:pPr>
-            <a:r>
-              <a:rPr lang="ko-KR"/>
-              <a:t>P</a:t>
-            </a:r>
-            <a:r>
-              <a:rPr lang="ko-KR"/>
-              <a:t>OST</a:t>
-            </a:r>
-            <a:endParaRPr lang="ko-KR" altLang="en-US"/>
-          </a:p>
-          <a:p>
-            <a:pPr marL="0" indent="0" algn="l">
-              <a:buFontTx/>
-              <a:buNone/>
-            </a:pPr>
-            <a:r>
-              <a:rPr lang="ko-KR"/>
-              <a:t> - </a:t>
-            </a:r>
-            <a:r>
-              <a:rPr/>
-              <a:t>데이터를 본문(body)에 숨겨서 보냄</a:t>
-            </a:r>
-            <a:r>
-              <a:rPr/>
-              <a:t>.</a:t>
-            </a:r>
-            <a:endParaRPr lang="ko-KR" altLang="en-US"/>
-          </a:p>
-          <a:p>
-            <a:pPr marL="0" indent="0" algn="l">
-              <a:buFontTx/>
-              <a:buNone/>
-            </a:pPr>
-            <a:r>
-              <a:rPr/>
-              <a:t> - </a:t>
-            </a:r>
-            <a:r>
-              <a:rPr/>
-              <a:t>보안에 좀 더 강함</a:t>
-            </a:r>
-            <a:r>
-              <a:rPr/>
-              <a:t>(</a:t>
-            </a:r>
-            <a:r>
-              <a:rPr lang="ko-KR"/>
-              <a:t>상대적으로</a:t>
-            </a:r>
-            <a:r>
-              <a:rPr/>
-              <a:t>)</a:t>
-            </a:r>
-            <a:endParaRPr lang="ko-KR" altLang="en-US"/>
           </a:p>
         </p:txBody>
       </p:sp>
